--- a/SQLXL_Index SQL Saturday South Florida 2025.pptx
+++ b/SQLXL_Index SQL Saturday South Florida 2025.pptx
@@ -5,7 +5,7 @@
     <p:sldMasterId id="2147483648" r:id="rId1"/>
   </p:sldMasterIdLst>
   <p:notesMasterIdLst>
-    <p:notesMasterId r:id="rId47"/>
+    <p:notesMasterId r:id="rId46"/>
   </p:notesMasterIdLst>
   <p:sldIdLst>
     <p:sldId id="531" r:id="rId2"/>
@@ -46,13 +46,12 @@
     <p:sldId id="535" r:id="rId37"/>
     <p:sldId id="497" r:id="rId38"/>
     <p:sldId id="556" r:id="rId39"/>
-    <p:sldId id="548" r:id="rId40"/>
-    <p:sldId id="384" r:id="rId41"/>
-    <p:sldId id="436" r:id="rId42"/>
-    <p:sldId id="500" r:id="rId43"/>
-    <p:sldId id="330" r:id="rId44"/>
-    <p:sldId id="539" r:id="rId45"/>
-    <p:sldId id="563" r:id="rId46"/>
+    <p:sldId id="384" r:id="rId40"/>
+    <p:sldId id="436" r:id="rId41"/>
+    <p:sldId id="500" r:id="rId42"/>
+    <p:sldId id="330" r:id="rId43"/>
+    <p:sldId id="539" r:id="rId44"/>
+    <p:sldId id="563" r:id="rId45"/>
   </p:sldIdLst>
   <p:sldSz cx="12192000" cy="6858000"/>
   <p:notesSz cx="6858000" cy="9144000"/>
@@ -271,7 +270,7 @@
           <a:p>
             <a:fld id="{2456FE53-F494-43F8-93B4-12CD0913CA08}" type="datetimeFigureOut">
               <a:rPr lang="en-US" smtClean="0"/>
-              <a:t>7/7/2025</a:t>
+              <a:t>7/16/2025</a:t>
             </a:fld>
             <a:endParaRPr lang="en-US"/>
           </a:p>
@@ -1591,6 +1590,113 @@
   <p:cSld>
     <p:spTree>
       <p:nvGrpSpPr>
+        <p:cNvPr id="1" name=""/>
+        <p:cNvGrpSpPr/>
+        <p:nvPr/>
+      </p:nvGrpSpPr>
+      <p:grpSpPr>
+        <a:xfrm>
+          <a:off x="0" y="0"/>
+          <a:ext cx="0" cy="0"/>
+          <a:chOff x="0" y="0"/>
+          <a:chExt cx="0" cy="0"/>
+        </a:xfrm>
+      </p:grpSpPr>
+      <p:sp>
+        <p:nvSpPr>
+          <p:cNvPr id="2" name="Slide Image Placeholder 1"/>
+          <p:cNvSpPr>
+            <a:spLocks noGrp="1" noRot="1" noChangeAspect="1"/>
+          </p:cNvSpPr>
+          <p:nvPr>
+            <p:ph type="sldImg"/>
+          </p:nvPr>
+        </p:nvSpPr>
+        <p:spPr/>
+      </p:sp>
+      <p:sp>
+        <p:nvSpPr>
+          <p:cNvPr id="3" name="Notes Placeholder 2"/>
+          <p:cNvSpPr>
+            <a:spLocks noGrp="1"/>
+          </p:cNvSpPr>
+          <p:nvPr>
+            <p:ph type="body" idx="1"/>
+          </p:nvPr>
+        </p:nvSpPr>
+        <p:spPr/>
+        <p:txBody>
+          <a:bodyPr/>
+          <a:lstStyle/>
+          <a:p>
+            <a:pPr marL="0" marR="0" lvl="0" indent="0" algn="l" defTabSz="914400" rtl="0" eaLnBrk="1" fontAlgn="auto" latinLnBrk="0" hangingPunct="1">
+              <a:lnSpc>
+                <a:spcPct val="100000"/>
+              </a:lnSpc>
+              <a:spcBef>
+                <a:spcPts val="0"/>
+              </a:spcBef>
+              <a:spcAft>
+                <a:spcPts val="0"/>
+              </a:spcAft>
+              <a:buClrTx/>
+              <a:buSzTx/>
+              <a:buFontTx/>
+              <a:buNone/>
+              <a:tabLst/>
+              <a:defRPr/>
+            </a:pPr>
+            <a:r>
+              <a:rPr lang="en-US" dirty="0"/>
+              <a:t>350 instrumented steps </a:t>
+            </a:r>
+          </a:p>
+          <a:p>
+            <a:endParaRPr lang="en-US" dirty="0"/>
+          </a:p>
+        </p:txBody>
+      </p:sp>
+      <p:sp>
+        <p:nvSpPr>
+          <p:cNvPr id="4" name="Slide Number Placeholder 3"/>
+          <p:cNvSpPr>
+            <a:spLocks noGrp="1"/>
+          </p:cNvSpPr>
+          <p:nvPr>
+            <p:ph type="sldNum" sz="quarter" idx="5"/>
+          </p:nvPr>
+        </p:nvSpPr>
+        <p:spPr/>
+        <p:txBody>
+          <a:bodyPr/>
+          <a:lstStyle/>
+          <a:p>
+            <a:fld id="{2647BC82-7491-44CA-BB04-F33035E9C0D3}" type="slidenum">
+              <a:rPr lang="en-US" smtClean="0"/>
+              <a:t>19</a:t>
+            </a:fld>
+            <a:endParaRPr lang="en-US"/>
+          </a:p>
+        </p:txBody>
+      </p:sp>
+    </p:spTree>
+    <p:extLst>
+      <p:ext uri="{BB962C8B-B14F-4D97-AF65-F5344CB8AC3E}">
+        <p14:creationId xmlns:p14="http://schemas.microsoft.com/office/powerpoint/2010/main" val="961373843"/>
+      </p:ext>
+    </p:extLst>
+  </p:cSld>
+  <p:clrMapOvr>
+    <a:masterClrMapping/>
+  </p:clrMapOvr>
+</p:notes>
+</file>
+
+<file path=ppt/notesSlides/notesSlide19.xml><?xml version="1.0" encoding="utf-8"?>
+<p:notes xmlns:a="http://schemas.openxmlformats.org/drawingml/2006/main" xmlns:r="http://schemas.openxmlformats.org/officeDocument/2006/relationships" xmlns:p="http://schemas.openxmlformats.org/presentationml/2006/main">
+  <p:cSld>
+    <p:spTree>
+      <p:nvGrpSpPr>
         <p:cNvPr id="1" name="">
           <a:extLst>
             <a:ext uri="{FF2B5EF4-FFF2-40B4-BE49-F238E27FC236}">
@@ -1650,12 +1756,6 @@
           <a:p>
             <a:r>
               <a:rPr lang="en-US" dirty="0"/>
-              <a:t>350 steps </a:t>
-            </a:r>
-          </a:p>
-          <a:p>
-            <a:r>
-              <a:rPr lang="en-US" dirty="0"/>
               <a:t>Hundreds of columns</a:t>
             </a:r>
           </a:p>
@@ -1787,125 +1887,6 @@
     <p:extLst>
       <p:ext uri="{BB962C8B-B14F-4D97-AF65-F5344CB8AC3E}">
         <p14:creationId xmlns:p14="http://schemas.microsoft.com/office/powerpoint/2010/main" val="4030772178"/>
-      </p:ext>
-    </p:extLst>
-  </p:cSld>
-  <p:clrMapOvr>
-    <a:masterClrMapping/>
-  </p:clrMapOvr>
-</p:notes>
-</file>
-
-<file path=ppt/notesSlides/notesSlide19.xml><?xml version="1.0" encoding="utf-8"?>
-<p:notes xmlns:a="http://schemas.openxmlformats.org/drawingml/2006/main" xmlns:r="http://schemas.openxmlformats.org/officeDocument/2006/relationships" xmlns:p="http://schemas.openxmlformats.org/presentationml/2006/main">
-  <p:cSld>
-    <p:spTree>
-      <p:nvGrpSpPr>
-        <p:cNvPr id="1" name=""/>
-        <p:cNvGrpSpPr/>
-        <p:nvPr/>
-      </p:nvGrpSpPr>
-      <p:grpSpPr>
-        <a:xfrm>
-          <a:off x="0" y="0"/>
-          <a:ext cx="0" cy="0"/>
-          <a:chOff x="0" y="0"/>
-          <a:chExt cx="0" cy="0"/>
-        </a:xfrm>
-      </p:grpSpPr>
-      <p:sp>
-        <p:nvSpPr>
-          <p:cNvPr id="2" name="Slide Image Placeholder 1"/>
-          <p:cNvSpPr>
-            <a:spLocks noGrp="1" noRot="1" noChangeAspect="1"/>
-          </p:cNvSpPr>
-          <p:nvPr>
-            <p:ph type="sldImg"/>
-          </p:nvPr>
-        </p:nvSpPr>
-        <p:spPr/>
-      </p:sp>
-      <p:sp>
-        <p:nvSpPr>
-          <p:cNvPr id="3" name="Notes Placeholder 2"/>
-          <p:cNvSpPr>
-            <a:spLocks noGrp="1"/>
-          </p:cNvSpPr>
-          <p:nvPr>
-            <p:ph type="body" idx="1"/>
-          </p:nvPr>
-        </p:nvSpPr>
-        <p:spPr/>
-        <p:txBody>
-          <a:bodyPr/>
-          <a:lstStyle/>
-          <a:p>
-            <a:pPr marL="0" marR="0" lvl="0" indent="0" algn="l" defTabSz="914400" rtl="0" eaLnBrk="1" fontAlgn="auto" latinLnBrk="0" hangingPunct="1">
-              <a:lnSpc>
-                <a:spcPct val="100000"/>
-              </a:lnSpc>
-              <a:spcBef>
-                <a:spcPts val="0"/>
-              </a:spcBef>
-              <a:spcAft>
-                <a:spcPts val="0"/>
-              </a:spcAft>
-              <a:buClrTx/>
-              <a:buSzTx/>
-              <a:buFontTx/>
-              <a:buNone/>
-              <a:tabLst/>
-              <a:defRPr/>
-            </a:pPr>
-            <a:r>
-              <a:rPr lang="en-US" b="1" dirty="0"/>
-              <a:t>*22:00*</a:t>
-            </a:r>
-          </a:p>
-          <a:p>
-            <a:r>
-              <a:rPr lang="en-US" dirty="0"/>
-              <a:t>“Show All Rows”</a:t>
-            </a:r>
-          </a:p>
-          <a:p>
-            <a:r>
-              <a:rPr lang="en-US" dirty="0"/>
-              <a:t>Switch to “Index Hurt &amp; Prescriptions”</a:t>
-            </a:r>
-          </a:p>
-          <a:p>
-            <a:endParaRPr lang="en-US" dirty="0"/>
-          </a:p>
-        </p:txBody>
-      </p:sp>
-      <p:sp>
-        <p:nvSpPr>
-          <p:cNvPr id="4" name="Slide Number Placeholder 3"/>
-          <p:cNvSpPr>
-            <a:spLocks noGrp="1"/>
-          </p:cNvSpPr>
-          <p:nvPr>
-            <p:ph type="sldNum" sz="quarter" idx="5"/>
-          </p:nvPr>
-        </p:nvSpPr>
-        <p:spPr/>
-        <p:txBody>
-          <a:bodyPr/>
-          <a:lstStyle/>
-          <a:p>
-            <a:fld id="{2647BC82-7491-44CA-BB04-F33035E9C0D3}" type="slidenum">
-              <a:rPr lang="en-US" smtClean="0"/>
-              <a:t>21</a:t>
-            </a:fld>
-            <a:endParaRPr lang="en-US"/>
-          </a:p>
-        </p:txBody>
-      </p:sp>
-    </p:spTree>
-    <p:extLst>
-      <p:ext uri="{BB962C8B-B14F-4D97-AF65-F5344CB8AC3E}">
-        <p14:creationId xmlns:p14="http://schemas.microsoft.com/office/powerpoint/2010/main" val="27884094"/>
       </p:ext>
     </p:extLst>
   </p:cSld>
@@ -1959,26 +1940,32 @@
           <a:bodyPr/>
           <a:lstStyle/>
           <a:p>
-            <a:pPr marL="0" marR="0" lvl="0" indent="0" algn="l" defTabSz="914400" rtl="0" eaLnBrk="1" fontAlgn="auto" latinLnBrk="0" hangingPunct="1">
-              <a:lnSpc>
-                <a:spcPct val="100000"/>
-              </a:lnSpc>
-              <a:spcBef>
-                <a:spcPts val="0"/>
-              </a:spcBef>
-              <a:spcAft>
-                <a:spcPts val="0"/>
-              </a:spcAft>
-              <a:buClrTx/>
-              <a:buSzTx/>
-              <a:buFontTx/>
-              <a:buNone/>
-              <a:tabLst/>
-              <a:defRPr/>
-            </a:pPr>
-            <a:r>
-              <a:rPr lang="en-US" b="1" dirty="0"/>
-              <a:t>*00:30*</a:t>
+            <a:r>
+              <a:rPr lang="en-US" b="0" dirty="0">
+                <a:effectLst/>
+              </a:rPr>
+              <a:t>PASS Summit On Tour is designed to bring the essence of the PASS Summit closer to you, making it more accessible and sustainable. These events offer the same enriching experience as PASS Summit, allowing you to connect, share, and learn with the data community.</a:t>
+            </a:r>
+          </a:p>
+          <a:p>
+            <a:endParaRPr lang="en-US" b="0" dirty="0">
+              <a:effectLst/>
+            </a:endParaRPr>
+          </a:p>
+          <a:p>
+            <a:r>
+              <a:rPr lang="en-US" b="0" dirty="0">
+                <a:effectLst/>
+              </a:rPr>
+              <a:t>Choose from a variety of sessions on a broad range of topics, including Pre-Con Deep Dive Sessions, and General Sessions. Plus, book a one-one session in the Community Experts Clinic.</a:t>
+            </a:r>
+          </a:p>
+          <a:p>
+            <a:r>
+              <a:rPr lang="en-US" b="0" dirty="0">
+                <a:effectLst/>
+              </a:rPr>
+              <a:t>What to Expect</a:t>
             </a:r>
           </a:p>
           <a:p>
@@ -2162,8 +2149,23 @@
             </a:pPr>
             <a:r>
               <a:rPr lang="en-US" b="1" dirty="0"/>
-              <a:t>*29:45*</a:t>
-            </a:r>
+              <a:t>*22:00*</a:t>
+            </a:r>
+          </a:p>
+          <a:p>
+            <a:r>
+              <a:rPr lang="en-US" dirty="0"/>
+              <a:t>“Show All Rows”</a:t>
+            </a:r>
+          </a:p>
+          <a:p>
+            <a:r>
+              <a:rPr lang="en-US" dirty="0"/>
+              <a:t>Switch to “Index Hurt &amp; Prescriptions”</a:t>
+            </a:r>
+          </a:p>
+          <a:p>
+            <a:endParaRPr lang="en-US" dirty="0"/>
           </a:p>
         </p:txBody>
       </p:sp>
@@ -2184,6 +2186,110 @@
           <a:p>
             <a:fld id="{2647BC82-7491-44CA-BB04-F33035E9C0D3}" type="slidenum">
               <a:rPr lang="en-US" smtClean="0"/>
+              <a:t>21</a:t>
+            </a:fld>
+            <a:endParaRPr lang="en-US"/>
+          </a:p>
+        </p:txBody>
+      </p:sp>
+    </p:spTree>
+    <p:extLst>
+      <p:ext uri="{BB962C8B-B14F-4D97-AF65-F5344CB8AC3E}">
+        <p14:creationId xmlns:p14="http://schemas.microsoft.com/office/powerpoint/2010/main" val="27884094"/>
+      </p:ext>
+    </p:extLst>
+  </p:cSld>
+  <p:clrMapOvr>
+    <a:masterClrMapping/>
+  </p:clrMapOvr>
+</p:notes>
+</file>
+
+<file path=ppt/notesSlides/notesSlide21.xml><?xml version="1.0" encoding="utf-8"?>
+<p:notes xmlns:a="http://schemas.openxmlformats.org/drawingml/2006/main" xmlns:r="http://schemas.openxmlformats.org/officeDocument/2006/relationships" xmlns:p="http://schemas.openxmlformats.org/presentationml/2006/main">
+  <p:cSld>
+    <p:spTree>
+      <p:nvGrpSpPr>
+        <p:cNvPr id="1" name=""/>
+        <p:cNvGrpSpPr/>
+        <p:nvPr/>
+      </p:nvGrpSpPr>
+      <p:grpSpPr>
+        <a:xfrm>
+          <a:off x="0" y="0"/>
+          <a:ext cx="0" cy="0"/>
+          <a:chOff x="0" y="0"/>
+          <a:chExt cx="0" cy="0"/>
+        </a:xfrm>
+      </p:grpSpPr>
+      <p:sp>
+        <p:nvSpPr>
+          <p:cNvPr id="2" name="Slide Image Placeholder 1"/>
+          <p:cNvSpPr>
+            <a:spLocks noGrp="1" noRot="1" noChangeAspect="1"/>
+          </p:cNvSpPr>
+          <p:nvPr>
+            <p:ph type="sldImg"/>
+          </p:nvPr>
+        </p:nvSpPr>
+        <p:spPr/>
+      </p:sp>
+      <p:sp>
+        <p:nvSpPr>
+          <p:cNvPr id="3" name="Notes Placeholder 2"/>
+          <p:cNvSpPr>
+            <a:spLocks noGrp="1"/>
+          </p:cNvSpPr>
+          <p:nvPr>
+            <p:ph type="body" idx="1"/>
+          </p:nvPr>
+        </p:nvSpPr>
+        <p:spPr/>
+        <p:txBody>
+          <a:bodyPr/>
+          <a:lstStyle/>
+          <a:p>
+            <a:pPr marL="0" marR="0" lvl="0" indent="0" algn="l" defTabSz="914400" rtl="0" eaLnBrk="1" fontAlgn="auto" latinLnBrk="0" hangingPunct="1">
+              <a:lnSpc>
+                <a:spcPct val="100000"/>
+              </a:lnSpc>
+              <a:spcBef>
+                <a:spcPts val="0"/>
+              </a:spcBef>
+              <a:spcAft>
+                <a:spcPts val="0"/>
+              </a:spcAft>
+              <a:buClrTx/>
+              <a:buSzTx/>
+              <a:buFontTx/>
+              <a:buNone/>
+              <a:tabLst/>
+              <a:defRPr/>
+            </a:pPr>
+            <a:r>
+              <a:rPr lang="en-US" b="1" dirty="0"/>
+              <a:t>*29:45*</a:t>
+            </a:r>
+          </a:p>
+        </p:txBody>
+      </p:sp>
+      <p:sp>
+        <p:nvSpPr>
+          <p:cNvPr id="4" name="Slide Number Placeholder 3"/>
+          <p:cNvSpPr>
+            <a:spLocks noGrp="1"/>
+          </p:cNvSpPr>
+          <p:nvPr>
+            <p:ph type="sldNum" sz="quarter" idx="5"/>
+          </p:nvPr>
+        </p:nvSpPr>
+        <p:spPr/>
+        <p:txBody>
+          <a:bodyPr/>
+          <a:lstStyle/>
+          <a:p>
+            <a:fld id="{2647BC82-7491-44CA-BB04-F33035E9C0D3}" type="slidenum">
+              <a:rPr lang="en-US" smtClean="0"/>
               <a:t>22</a:t>
             </a:fld>
             <a:endParaRPr lang="en-US"/>
@@ -2203,7 +2309,7 @@
 </p:notes>
 </file>
 
-<file path=ppt/notesSlides/notesSlide21.xml><?xml version="1.0" encoding="utf-8"?>
+<file path=ppt/notesSlides/notesSlide22.xml><?xml version="1.0" encoding="utf-8"?>
 <p:notes xmlns:a="http://schemas.openxmlformats.org/drawingml/2006/main" xmlns:r="http://schemas.openxmlformats.org/officeDocument/2006/relationships" xmlns:p="http://schemas.openxmlformats.org/presentationml/2006/main">
   <p:cSld>
     <p:spTree>
@@ -2334,7 +2440,7 @@
 </p:notes>
 </file>
 
-<file path=ppt/notesSlides/notesSlide22.xml><?xml version="1.0" encoding="utf-8"?>
+<file path=ppt/notesSlides/notesSlide23.xml><?xml version="1.0" encoding="utf-8"?>
 <p:notes xmlns:a="http://schemas.openxmlformats.org/drawingml/2006/main" xmlns:r="http://schemas.openxmlformats.org/officeDocument/2006/relationships" xmlns:p="http://schemas.openxmlformats.org/presentationml/2006/main">
   <p:cSld>
     <p:spTree>
@@ -2465,7 +2571,7 @@
 </p:notes>
 </file>
 
-<file path=ppt/notesSlides/notesSlide23.xml><?xml version="1.0" encoding="utf-8"?>
+<file path=ppt/notesSlides/notesSlide24.xml><?xml version="1.0" encoding="utf-8"?>
 <p:notes xmlns:a="http://schemas.openxmlformats.org/drawingml/2006/main" xmlns:r="http://schemas.openxmlformats.org/officeDocument/2006/relationships" xmlns:p="http://schemas.openxmlformats.org/presentationml/2006/main">
   <p:cSld>
     <p:spTree>
@@ -2615,7 +2721,7 @@
 </p:notes>
 </file>
 
-<file path=ppt/notesSlides/notesSlide24.xml><?xml version="1.0" encoding="utf-8"?>
+<file path=ppt/notesSlides/notesSlide25.xml><?xml version="1.0" encoding="utf-8"?>
 <p:notes xmlns:a="http://schemas.openxmlformats.org/drawingml/2006/main" xmlns:r="http://schemas.openxmlformats.org/officeDocument/2006/relationships" xmlns:p="http://schemas.openxmlformats.org/presentationml/2006/main">
   <p:cSld>
     <p:spTree>
@@ -2749,7 +2855,7 @@
 </p:notes>
 </file>
 
-<file path=ppt/notesSlides/notesSlide25.xml><?xml version="1.0" encoding="utf-8"?>
+<file path=ppt/notesSlides/notesSlide26.xml><?xml version="1.0" encoding="utf-8"?>
 <p:notes xmlns:a="http://schemas.openxmlformats.org/drawingml/2006/main" xmlns:r="http://schemas.openxmlformats.org/officeDocument/2006/relationships" xmlns:p="http://schemas.openxmlformats.org/presentationml/2006/main">
   <p:cSld>
     <p:spTree>
@@ -2895,7 +3001,7 @@
 </p:notes>
 </file>
 
-<file path=ppt/notesSlides/notesSlide26.xml><?xml version="1.0" encoding="utf-8"?>
+<file path=ppt/notesSlides/notesSlide27.xml><?xml version="1.0" encoding="utf-8"?>
 <p:notes xmlns:a="http://schemas.openxmlformats.org/drawingml/2006/main" xmlns:r="http://schemas.openxmlformats.org/officeDocument/2006/relationships" xmlns:p="http://schemas.openxmlformats.org/presentationml/2006/main">
   <p:cSld>
     <p:spTree>
@@ -3026,7 +3132,7 @@
 </p:notes>
 </file>
 
-<file path=ppt/notesSlides/notesSlide27.xml><?xml version="1.0" encoding="utf-8"?>
+<file path=ppt/notesSlides/notesSlide28.xml><?xml version="1.0" encoding="utf-8"?>
 <p:notes xmlns:a="http://schemas.openxmlformats.org/drawingml/2006/main" xmlns:r="http://schemas.openxmlformats.org/officeDocument/2006/relationships" xmlns:p="http://schemas.openxmlformats.org/presentationml/2006/main">
   <p:cSld>
     <p:spTree>
@@ -3157,7 +3263,7 @@
 </p:notes>
 </file>
 
-<file path=ppt/notesSlides/notesSlide28.xml><?xml version="1.0" encoding="utf-8"?>
+<file path=ppt/notesSlides/notesSlide29.xml><?xml version="1.0" encoding="utf-8"?>
 <p:notes xmlns:a="http://schemas.openxmlformats.org/drawingml/2006/main" xmlns:r="http://schemas.openxmlformats.org/officeDocument/2006/relationships" xmlns:p="http://schemas.openxmlformats.org/presentationml/2006/main">
   <p:cSld>
     <p:spTree>
@@ -3288,7 +3394,137 @@
 </p:notes>
 </file>
 
-<file path=ppt/notesSlides/notesSlide29.xml><?xml version="1.0" encoding="utf-8"?>
+<file path=ppt/notesSlides/notesSlide3.xml><?xml version="1.0" encoding="utf-8"?>
+<p:notes xmlns:a="http://schemas.openxmlformats.org/drawingml/2006/main" xmlns:r="http://schemas.openxmlformats.org/officeDocument/2006/relationships" xmlns:p="http://schemas.openxmlformats.org/presentationml/2006/main">
+  <p:cSld>
+    <p:spTree>
+      <p:nvGrpSpPr>
+        <p:cNvPr id="1" name=""/>
+        <p:cNvGrpSpPr/>
+        <p:nvPr/>
+      </p:nvGrpSpPr>
+      <p:grpSpPr>
+        <a:xfrm>
+          <a:off x="0" y="0"/>
+          <a:ext cx="0" cy="0"/>
+          <a:chOff x="0" y="0"/>
+          <a:chExt cx="0" cy="0"/>
+        </a:xfrm>
+      </p:grpSpPr>
+      <p:sp>
+        <p:nvSpPr>
+          <p:cNvPr id="2" name="Slide Image Placeholder 1"/>
+          <p:cNvSpPr>
+            <a:spLocks noGrp="1" noRot="1" noChangeAspect="1"/>
+          </p:cNvSpPr>
+          <p:nvPr>
+            <p:ph type="sldImg"/>
+          </p:nvPr>
+        </p:nvSpPr>
+        <p:spPr/>
+      </p:sp>
+      <p:sp>
+        <p:nvSpPr>
+          <p:cNvPr id="3" name="Notes Placeholder 2"/>
+          <p:cNvSpPr>
+            <a:spLocks noGrp="1"/>
+          </p:cNvSpPr>
+          <p:nvPr>
+            <p:ph type="body" idx="1"/>
+          </p:nvPr>
+        </p:nvSpPr>
+        <p:spPr/>
+        <p:txBody>
+          <a:bodyPr/>
+          <a:lstStyle/>
+          <a:p>
+            <a:pPr marL="0" marR="0" lvl="0" indent="0" algn="l" defTabSz="914400" rtl="0" eaLnBrk="1" fontAlgn="auto" latinLnBrk="0" hangingPunct="1">
+              <a:lnSpc>
+                <a:spcPct val="100000"/>
+              </a:lnSpc>
+              <a:spcBef>
+                <a:spcPts val="0"/>
+              </a:spcBef>
+              <a:spcAft>
+                <a:spcPts val="0"/>
+              </a:spcAft>
+              <a:buClrTx/>
+              <a:buSzTx/>
+              <a:buFontTx/>
+              <a:buNone/>
+              <a:tabLst/>
+              <a:defRPr/>
+            </a:pPr>
+            <a:r>
+              <a:rPr lang="en-US" b="1" dirty="0"/>
+              <a:t>*00:45*</a:t>
+            </a:r>
+          </a:p>
+          <a:p>
+            <a:pPr marL="0" marR="0" lvl="0" indent="0" algn="l" defTabSz="914400" rtl="0" eaLnBrk="1" fontAlgn="auto" latinLnBrk="0" hangingPunct="1">
+              <a:lnSpc>
+                <a:spcPct val="100000"/>
+              </a:lnSpc>
+              <a:spcBef>
+                <a:spcPts val="0"/>
+              </a:spcBef>
+              <a:spcAft>
+                <a:spcPts val="0"/>
+              </a:spcAft>
+              <a:buClrTx/>
+              <a:buSzTx/>
+              <a:buFontTx/>
+              <a:buNone/>
+              <a:tabLst/>
+              <a:defRPr/>
+            </a:pPr>
+            <a:r>
+              <a:rPr lang="en-US" dirty="0"/>
+              <a:t>SQL: Metaphor on Britton-Lee</a:t>
+            </a:r>
+          </a:p>
+          <a:p>
+            <a:endParaRPr lang="en-US" dirty="0"/>
+          </a:p>
+        </p:txBody>
+      </p:sp>
+      <p:sp>
+        <p:nvSpPr>
+          <p:cNvPr id="4" name="Slide Number Placeholder 3"/>
+          <p:cNvSpPr>
+            <a:spLocks noGrp="1"/>
+          </p:cNvSpPr>
+          <p:nvPr>
+            <p:ph type="sldNum" sz="quarter" idx="5"/>
+          </p:nvPr>
+        </p:nvSpPr>
+        <p:spPr/>
+        <p:txBody>
+          <a:bodyPr/>
+          <a:lstStyle/>
+          <a:p>
+            <a:fld id="{2647BC82-7491-44CA-BB04-F33035E9C0D3}" type="slidenum">
+              <a:rPr lang="en-US" smtClean="0"/>
+              <a:t>3</a:t>
+            </a:fld>
+            <a:endParaRPr lang="en-US"/>
+          </a:p>
+        </p:txBody>
+      </p:sp>
+    </p:spTree>
+    <p:extLst>
+      <p:ext uri="{BB962C8B-B14F-4D97-AF65-F5344CB8AC3E}">
+        <p14:creationId xmlns:p14="http://schemas.microsoft.com/office/powerpoint/2010/main" val="3453242981"/>
+      </p:ext>
+    </p:extLst>
+  </p:cSld>
+  <p:clrMapOvr>
+    <a:masterClrMapping/>
+  </p:clrMapOvr>
+</p:notes>
+</file>
+
+<file path=ppt/notesSlides/notesSlide30.xml><?xml version="1.0" encoding="utf-8"?>
 <p:notes xmlns:a="http://schemas.openxmlformats.org/drawingml/2006/main" xmlns:r="http://schemas.openxmlformats.org/officeDocument/2006/relationships" xmlns:p="http://schemas.openxmlformats.org/presentationml/2006/main">
   <p:cSld>
     <p:spTree>
@@ -3439,266 +3675,6 @@
 </p:notes>
 </file>
 
-<file path=ppt/notesSlides/notesSlide3.xml><?xml version="1.0" encoding="utf-8"?>
-<p:notes xmlns:a="http://schemas.openxmlformats.org/drawingml/2006/main" xmlns:r="http://schemas.openxmlformats.org/officeDocument/2006/relationships" xmlns:p="http://schemas.openxmlformats.org/presentationml/2006/main">
-  <p:cSld>
-    <p:spTree>
-      <p:nvGrpSpPr>
-        <p:cNvPr id="1" name=""/>
-        <p:cNvGrpSpPr/>
-        <p:nvPr/>
-      </p:nvGrpSpPr>
-      <p:grpSpPr>
-        <a:xfrm>
-          <a:off x="0" y="0"/>
-          <a:ext cx="0" cy="0"/>
-          <a:chOff x="0" y="0"/>
-          <a:chExt cx="0" cy="0"/>
-        </a:xfrm>
-      </p:grpSpPr>
-      <p:sp>
-        <p:nvSpPr>
-          <p:cNvPr id="2" name="Slide Image Placeholder 1"/>
-          <p:cNvSpPr>
-            <a:spLocks noGrp="1" noRot="1" noChangeAspect="1"/>
-          </p:cNvSpPr>
-          <p:nvPr>
-            <p:ph type="sldImg"/>
-          </p:nvPr>
-        </p:nvSpPr>
-        <p:spPr/>
-      </p:sp>
-      <p:sp>
-        <p:nvSpPr>
-          <p:cNvPr id="3" name="Notes Placeholder 2"/>
-          <p:cNvSpPr>
-            <a:spLocks noGrp="1"/>
-          </p:cNvSpPr>
-          <p:nvPr>
-            <p:ph type="body" idx="1"/>
-          </p:nvPr>
-        </p:nvSpPr>
-        <p:spPr/>
-        <p:txBody>
-          <a:bodyPr/>
-          <a:lstStyle/>
-          <a:p>
-            <a:pPr marL="0" marR="0" lvl="0" indent="0" algn="l" defTabSz="914400" rtl="0" eaLnBrk="1" fontAlgn="auto" latinLnBrk="0" hangingPunct="1">
-              <a:lnSpc>
-                <a:spcPct val="100000"/>
-              </a:lnSpc>
-              <a:spcBef>
-                <a:spcPts val="0"/>
-              </a:spcBef>
-              <a:spcAft>
-                <a:spcPts val="0"/>
-              </a:spcAft>
-              <a:buClrTx/>
-              <a:buSzTx/>
-              <a:buFontTx/>
-              <a:buNone/>
-              <a:tabLst/>
-              <a:defRPr/>
-            </a:pPr>
-            <a:r>
-              <a:rPr lang="en-US" b="1" dirty="0"/>
-              <a:t>*00:45*</a:t>
-            </a:r>
-          </a:p>
-          <a:p>
-            <a:pPr marL="0" marR="0" lvl="0" indent="0" algn="l" defTabSz="914400" rtl="0" eaLnBrk="1" fontAlgn="auto" latinLnBrk="0" hangingPunct="1">
-              <a:lnSpc>
-                <a:spcPct val="100000"/>
-              </a:lnSpc>
-              <a:spcBef>
-                <a:spcPts val="0"/>
-              </a:spcBef>
-              <a:spcAft>
-                <a:spcPts val="0"/>
-              </a:spcAft>
-              <a:buClrTx/>
-              <a:buSzTx/>
-              <a:buFontTx/>
-              <a:buNone/>
-              <a:tabLst/>
-              <a:defRPr/>
-            </a:pPr>
-            <a:r>
-              <a:rPr lang="en-US" dirty="0"/>
-              <a:t>SQL: Metaphor on Britton-Lee</a:t>
-            </a:r>
-          </a:p>
-          <a:p>
-            <a:endParaRPr lang="en-US" dirty="0"/>
-          </a:p>
-        </p:txBody>
-      </p:sp>
-      <p:sp>
-        <p:nvSpPr>
-          <p:cNvPr id="4" name="Slide Number Placeholder 3"/>
-          <p:cNvSpPr>
-            <a:spLocks noGrp="1"/>
-          </p:cNvSpPr>
-          <p:nvPr>
-            <p:ph type="sldNum" sz="quarter" idx="5"/>
-          </p:nvPr>
-        </p:nvSpPr>
-        <p:spPr/>
-        <p:txBody>
-          <a:bodyPr/>
-          <a:lstStyle/>
-          <a:p>
-            <a:fld id="{2647BC82-7491-44CA-BB04-F33035E9C0D3}" type="slidenum">
-              <a:rPr lang="en-US" smtClean="0"/>
-              <a:t>3</a:t>
-            </a:fld>
-            <a:endParaRPr lang="en-US"/>
-          </a:p>
-        </p:txBody>
-      </p:sp>
-    </p:spTree>
-    <p:extLst>
-      <p:ext uri="{BB962C8B-B14F-4D97-AF65-F5344CB8AC3E}">
-        <p14:creationId xmlns:p14="http://schemas.microsoft.com/office/powerpoint/2010/main" val="3453242981"/>
-      </p:ext>
-    </p:extLst>
-  </p:cSld>
-  <p:clrMapOvr>
-    <a:masterClrMapping/>
-  </p:clrMapOvr>
-</p:notes>
-</file>
-
-<file path=ppt/notesSlides/notesSlide30.xml><?xml version="1.0" encoding="utf-8"?>
-<p:notes xmlns:a="http://schemas.openxmlformats.org/drawingml/2006/main" xmlns:r="http://schemas.openxmlformats.org/officeDocument/2006/relationships" xmlns:p="http://schemas.openxmlformats.org/presentationml/2006/main">
-  <p:cSld>
-    <p:spTree>
-      <p:nvGrpSpPr>
-        <p:cNvPr id="1" name=""/>
-        <p:cNvGrpSpPr/>
-        <p:nvPr/>
-      </p:nvGrpSpPr>
-      <p:grpSpPr>
-        <a:xfrm>
-          <a:off x="0" y="0"/>
-          <a:ext cx="0" cy="0"/>
-          <a:chOff x="0" y="0"/>
-          <a:chExt cx="0" cy="0"/>
-        </a:xfrm>
-      </p:grpSpPr>
-      <p:sp>
-        <p:nvSpPr>
-          <p:cNvPr id="2" name="Slide Image Placeholder 1"/>
-          <p:cNvSpPr>
-            <a:spLocks noGrp="1" noRot="1" noChangeAspect="1"/>
-          </p:cNvSpPr>
-          <p:nvPr>
-            <p:ph type="sldImg"/>
-          </p:nvPr>
-        </p:nvSpPr>
-        <p:spPr/>
-      </p:sp>
-      <p:sp>
-        <p:nvSpPr>
-          <p:cNvPr id="3" name="Notes Placeholder 2"/>
-          <p:cNvSpPr>
-            <a:spLocks noGrp="1"/>
-          </p:cNvSpPr>
-          <p:nvPr>
-            <p:ph type="body" idx="1"/>
-          </p:nvPr>
-        </p:nvSpPr>
-        <p:spPr/>
-        <p:txBody>
-          <a:bodyPr/>
-          <a:lstStyle/>
-          <a:p>
-            <a:pPr marL="0" marR="0" lvl="0" indent="0" algn="l" defTabSz="914400" rtl="0" eaLnBrk="1" fontAlgn="auto" latinLnBrk="0" hangingPunct="1">
-              <a:lnSpc>
-                <a:spcPct val="100000"/>
-              </a:lnSpc>
-              <a:spcBef>
-                <a:spcPts val="0"/>
-              </a:spcBef>
-              <a:spcAft>
-                <a:spcPts val="0"/>
-              </a:spcAft>
-              <a:buClrTx/>
-              <a:buSzTx/>
-              <a:buFontTx/>
-              <a:buNone/>
-              <a:tabLst/>
-              <a:defRPr/>
-            </a:pPr>
-            <a:r>
-              <a:rPr lang="en-US" b="1" dirty="0"/>
-              <a:t>*##:##*</a:t>
-            </a:r>
-          </a:p>
-          <a:p>
-            <a:pPr marL="0" marR="0" lvl="0" indent="0" algn="l" defTabSz="914400" rtl="0" eaLnBrk="1" fontAlgn="auto" latinLnBrk="0" hangingPunct="1">
-              <a:lnSpc>
-                <a:spcPct val="100000"/>
-              </a:lnSpc>
-              <a:spcBef>
-                <a:spcPts val="0"/>
-              </a:spcBef>
-              <a:spcAft>
-                <a:spcPts val="0"/>
-              </a:spcAft>
-              <a:buClrTx/>
-              <a:buSzTx/>
-              <a:buFontTx/>
-              <a:buNone/>
-              <a:tabLst/>
-              <a:defRPr/>
-            </a:pPr>
-            <a:r>
-              <a:rPr lang="en-US" dirty="0"/>
-              <a:t>Under-represent indexes getting rebuilt regularly</a:t>
-            </a:r>
-          </a:p>
-          <a:p>
-            <a:endParaRPr lang="en-US" dirty="0"/>
-          </a:p>
-        </p:txBody>
-      </p:sp>
-      <p:sp>
-        <p:nvSpPr>
-          <p:cNvPr id="4" name="Slide Number Placeholder 3"/>
-          <p:cNvSpPr>
-            <a:spLocks noGrp="1"/>
-          </p:cNvSpPr>
-          <p:nvPr>
-            <p:ph type="sldNum" sz="quarter" idx="5"/>
-          </p:nvPr>
-        </p:nvSpPr>
-        <p:spPr/>
-        <p:txBody>
-          <a:bodyPr/>
-          <a:lstStyle/>
-          <a:p>
-            <a:fld id="{2647BC82-7491-44CA-BB04-F33035E9C0D3}" type="slidenum">
-              <a:rPr lang="en-US" smtClean="0"/>
-              <a:t>32</a:t>
-            </a:fld>
-            <a:endParaRPr lang="en-US"/>
-          </a:p>
-        </p:txBody>
-      </p:sp>
-    </p:spTree>
-    <p:extLst>
-      <p:ext uri="{BB962C8B-B14F-4D97-AF65-F5344CB8AC3E}">
-        <p14:creationId xmlns:p14="http://schemas.microsoft.com/office/powerpoint/2010/main" val="1471976149"/>
-      </p:ext>
-    </p:extLst>
-  </p:cSld>
-  <p:clrMapOvr>
-    <a:masterClrMapping/>
-  </p:clrMapOvr>
-</p:notes>
-</file>
-
 <file path=ppt/notesSlides/notesSlide31.xml><?xml version="1.0" encoding="utf-8"?>
 <p:notes xmlns:a="http://schemas.openxmlformats.org/drawingml/2006/main" xmlns:r="http://schemas.openxmlformats.org/officeDocument/2006/relationships" xmlns:p="http://schemas.openxmlformats.org/presentationml/2006/main">
   <p:cSld>
@@ -3743,16 +3719,53 @@
           <a:bodyPr/>
           <a:lstStyle/>
           <a:p>
+            <a:pPr marL="0" marR="0" lvl="0" indent="0" algn="l" defTabSz="914400" rtl="0" eaLnBrk="1" fontAlgn="auto" latinLnBrk="0" hangingPunct="1">
+              <a:lnSpc>
+                <a:spcPct val="100000"/>
+              </a:lnSpc>
+              <a:spcBef>
+                <a:spcPts val="0"/>
+              </a:spcBef>
+              <a:spcAft>
+                <a:spcPts val="0"/>
+              </a:spcAft>
+              <a:buClrTx/>
+              <a:buSzTx/>
+              <a:buFontTx/>
+              <a:buNone/>
+              <a:tabLst/>
+              <a:defRPr/>
+            </a:pPr>
             <a:r>
               <a:rPr lang="en-US" b="1" dirty="0"/>
-              <a:t>*34:45* YMMV</a:t>
-            </a:r>
-          </a:p>
-          <a:p>
-            <a:r>
-              <a:rPr lang="en-US" b="0" dirty="0"/>
-              <a:t>Why not 80% - exposed next level of waits &amp; hurts</a:t>
-            </a:r>
+              <a:t>*##:##*</a:t>
+            </a:r>
+          </a:p>
+          <a:p>
+            <a:pPr marL="0" marR="0" lvl="0" indent="0" algn="l" defTabSz="914400" rtl="0" eaLnBrk="1" fontAlgn="auto" latinLnBrk="0" hangingPunct="1">
+              <a:lnSpc>
+                <a:spcPct val="100000"/>
+              </a:lnSpc>
+              <a:spcBef>
+                <a:spcPts val="0"/>
+              </a:spcBef>
+              <a:spcAft>
+                <a:spcPts val="0"/>
+              </a:spcAft>
+              <a:buClrTx/>
+              <a:buSzTx/>
+              <a:buFontTx/>
+              <a:buNone/>
+              <a:tabLst/>
+              <a:defRPr/>
+            </a:pPr>
+            <a:r>
+              <a:rPr lang="en-US" dirty="0"/>
+              <a:t>Under-represent indexes getting rebuilt regularly</a:t>
+            </a:r>
+          </a:p>
+          <a:p>
+            <a:endParaRPr lang="en-US" dirty="0"/>
           </a:p>
         </p:txBody>
       </p:sp>
@@ -3773,7 +3786,7 @@
           <a:p>
             <a:fld id="{2647BC82-7491-44CA-BB04-F33035E9C0D3}" type="slidenum">
               <a:rPr lang="en-US" smtClean="0"/>
-              <a:t>33</a:t>
+              <a:t>32</a:t>
             </a:fld>
             <a:endParaRPr lang="en-US"/>
           </a:p>
@@ -3782,7 +3795,7 @@
     </p:spTree>
     <p:extLst>
       <p:ext uri="{BB962C8B-B14F-4D97-AF65-F5344CB8AC3E}">
-        <p14:creationId xmlns:p14="http://schemas.microsoft.com/office/powerpoint/2010/main" val="2125161388"/>
+        <p14:creationId xmlns:p14="http://schemas.microsoft.com/office/powerpoint/2010/main" val="1471976149"/>
       </p:ext>
     </p:extLst>
   </p:cSld>
@@ -3838,66 +3851,14 @@
           <a:p>
             <a:r>
               <a:rPr lang="en-US" b="1" dirty="0"/>
-              <a:t>*37:00*</a:t>
-            </a:r>
-          </a:p>
-          <a:p>
-            <a:r>
-              <a:rPr lang="en-US" dirty="0"/>
-              <a:t>Non-Default - Cost threshold for Parallelism</a:t>
-            </a:r>
-          </a:p>
-          <a:p>
-            <a:r>
-              <a:rPr lang="en-US" dirty="0"/>
-              <a:t>History and Internal Tables given a pass (mostly)</a:t>
-            </a:r>
-          </a:p>
-          <a:p>
-            <a:endParaRPr lang="en-US" dirty="0"/>
-          </a:p>
-          <a:p>
-            <a:r>
-              <a:rPr lang="en-US" dirty="0"/>
-              <a:t>Version Aware - don’t ding SQL 2012 for new feature in SQL 2022</a:t>
-            </a:r>
-          </a:p>
-          <a:p>
-            <a:endParaRPr lang="en-US" dirty="0"/>
-          </a:p>
-          <a:p>
-            <a:pPr marL="0" marR="0" lvl="0" indent="0" algn="l" defTabSz="914400" rtl="0" eaLnBrk="1" fontAlgn="auto" latinLnBrk="0" hangingPunct="1">
-              <a:lnSpc>
-                <a:spcPct val="100000"/>
-              </a:lnSpc>
-              <a:spcBef>
-                <a:spcPts val="0"/>
-              </a:spcBef>
-              <a:spcAft>
-                <a:spcPts val="0"/>
-              </a:spcAft>
-              <a:buClrTx/>
-              <a:buSzTx/>
-              <a:buFontTx/>
-              <a:buNone/>
-              <a:tabLst/>
-              <a:defRPr/>
-            </a:pPr>
-            <a:r>
-              <a:rPr lang="en-US" dirty="0"/>
-              <a:t>Link to </a:t>
-            </a:r>
-            <a:r>
-              <a:rPr lang="en-US" dirty="0" err="1"/>
-              <a:t>BlitzIndex</a:t>
-            </a:r>
-            <a:r>
-              <a:rPr lang="en-US" dirty="0"/>
-              <a:t> when same item found (58 items)</a:t>
-            </a:r>
-          </a:p>
-          <a:p>
-            <a:endParaRPr lang="en-US" dirty="0"/>
+              <a:t>*34:45* YMMV</a:t>
+            </a:r>
+          </a:p>
+          <a:p>
+            <a:r>
+              <a:rPr lang="en-US" b="0" dirty="0"/>
+              <a:t>Why not 80% - exposed next level of waits &amp; hurts</a:t>
+            </a:r>
           </a:p>
         </p:txBody>
       </p:sp>
@@ -3918,7 +3879,7 @@
           <a:p>
             <a:fld id="{2647BC82-7491-44CA-BB04-F33035E9C0D3}" type="slidenum">
               <a:rPr lang="en-US" smtClean="0"/>
-              <a:t>35</a:t>
+              <a:t>33</a:t>
             </a:fld>
             <a:endParaRPr lang="en-US"/>
           </a:p>
@@ -3927,7 +3888,7 @@
     </p:spTree>
     <p:extLst>
       <p:ext uri="{BB962C8B-B14F-4D97-AF65-F5344CB8AC3E}">
-        <p14:creationId xmlns:p14="http://schemas.microsoft.com/office/powerpoint/2010/main" val="2336985595"/>
+        <p14:creationId xmlns:p14="http://schemas.microsoft.com/office/powerpoint/2010/main" val="2125161388"/>
       </p:ext>
     </p:extLst>
   </p:cSld>
@@ -3983,26 +3944,66 @@
           <a:p>
             <a:r>
               <a:rPr lang="en-US" b="1" dirty="0"/>
-              <a:t>*38:00*</a:t>
-            </a:r>
-          </a:p>
-          <a:p>
-            <a:r>
-              <a:rPr lang="en-US" b="1" dirty="0"/>
-              <a:t>*04:15*</a:t>
-            </a:r>
-          </a:p>
-          <a:p>
-            <a:r>
-              <a:rPr lang="en-US" dirty="0"/>
-              <a:t>Squeeze! Into smallest possible space</a:t>
-            </a:r>
-          </a:p>
-          <a:p>
-            <a:r>
-              <a:rPr lang="en-US" dirty="0"/>
-              <a:t>Avoid scrolling</a:t>
-            </a:r>
+              <a:t>*37:00*</a:t>
+            </a:r>
+          </a:p>
+          <a:p>
+            <a:r>
+              <a:rPr lang="en-US" dirty="0"/>
+              <a:t>Non-Default - Cost threshold for Parallelism</a:t>
+            </a:r>
+          </a:p>
+          <a:p>
+            <a:r>
+              <a:rPr lang="en-US" dirty="0"/>
+              <a:t>History and Internal Tables given a pass (mostly)</a:t>
+            </a:r>
+          </a:p>
+          <a:p>
+            <a:endParaRPr lang="en-US" dirty="0"/>
+          </a:p>
+          <a:p>
+            <a:r>
+              <a:rPr lang="en-US" dirty="0"/>
+              <a:t>Version Aware - don’t ding SQL 2012 for new feature in SQL 2022</a:t>
+            </a:r>
+          </a:p>
+          <a:p>
+            <a:endParaRPr lang="en-US" dirty="0"/>
+          </a:p>
+          <a:p>
+            <a:pPr marL="0" marR="0" lvl="0" indent="0" algn="l" defTabSz="914400" rtl="0" eaLnBrk="1" fontAlgn="auto" latinLnBrk="0" hangingPunct="1">
+              <a:lnSpc>
+                <a:spcPct val="100000"/>
+              </a:lnSpc>
+              <a:spcBef>
+                <a:spcPts val="0"/>
+              </a:spcBef>
+              <a:spcAft>
+                <a:spcPts val="0"/>
+              </a:spcAft>
+              <a:buClrTx/>
+              <a:buSzTx/>
+              <a:buFontTx/>
+              <a:buNone/>
+              <a:tabLst/>
+              <a:defRPr/>
+            </a:pPr>
+            <a:r>
+              <a:rPr lang="en-US" dirty="0"/>
+              <a:t>Link to </a:t>
+            </a:r>
+            <a:r>
+              <a:rPr lang="en-US" dirty="0" err="1"/>
+              <a:t>BlitzIndex</a:t>
+            </a:r>
+            <a:r>
+              <a:rPr lang="en-US" dirty="0"/>
+              <a:t> when same item found (58 items)</a:t>
+            </a:r>
+          </a:p>
+          <a:p>
+            <a:endParaRPr lang="en-US" dirty="0"/>
           </a:p>
         </p:txBody>
       </p:sp>
@@ -4023,7 +4024,7 @@
           <a:p>
             <a:fld id="{2647BC82-7491-44CA-BB04-F33035E9C0D3}" type="slidenum">
               <a:rPr lang="en-US" smtClean="0"/>
-              <a:t>36</a:t>
+              <a:t>35</a:t>
             </a:fld>
             <a:endParaRPr lang="en-US"/>
           </a:p>
@@ -4032,7 +4033,7 @@
     </p:spTree>
     <p:extLst>
       <p:ext uri="{BB962C8B-B14F-4D97-AF65-F5344CB8AC3E}">
-        <p14:creationId xmlns:p14="http://schemas.microsoft.com/office/powerpoint/2010/main" val="1350478038"/>
+        <p14:creationId xmlns:p14="http://schemas.microsoft.com/office/powerpoint/2010/main" val="2336985595"/>
       </p:ext>
     </p:extLst>
   </p:cSld>
@@ -4088,7 +4089,25 @@
           <a:p>
             <a:r>
               <a:rPr lang="en-US" b="1" dirty="0"/>
-              <a:t>*42:15*</a:t>
+              <a:t>*38:00*</a:t>
+            </a:r>
+          </a:p>
+          <a:p>
+            <a:r>
+              <a:rPr lang="en-US" b="1" dirty="0"/>
+              <a:t>*04:15*</a:t>
+            </a:r>
+          </a:p>
+          <a:p>
+            <a:r>
+              <a:rPr lang="en-US" dirty="0"/>
+              <a:t>Squeeze! Into smallest possible space</a:t>
+            </a:r>
+          </a:p>
+          <a:p>
+            <a:r>
+              <a:rPr lang="en-US" dirty="0"/>
+              <a:t>Avoid scrolling</a:t>
             </a:r>
           </a:p>
         </p:txBody>
@@ -4110,6 +4129,93 @@
           <a:p>
             <a:fld id="{2647BC82-7491-44CA-BB04-F33035E9C0D3}" type="slidenum">
               <a:rPr lang="en-US" smtClean="0"/>
+              <a:t>36</a:t>
+            </a:fld>
+            <a:endParaRPr lang="en-US"/>
+          </a:p>
+        </p:txBody>
+      </p:sp>
+    </p:spTree>
+    <p:extLst>
+      <p:ext uri="{BB962C8B-B14F-4D97-AF65-F5344CB8AC3E}">
+        <p14:creationId xmlns:p14="http://schemas.microsoft.com/office/powerpoint/2010/main" val="1350478038"/>
+      </p:ext>
+    </p:extLst>
+  </p:cSld>
+  <p:clrMapOvr>
+    <a:masterClrMapping/>
+  </p:clrMapOvr>
+</p:notes>
+</file>
+
+<file path=ppt/notesSlides/notesSlide35.xml><?xml version="1.0" encoding="utf-8"?>
+<p:notes xmlns:a="http://schemas.openxmlformats.org/drawingml/2006/main" xmlns:r="http://schemas.openxmlformats.org/officeDocument/2006/relationships" xmlns:p="http://schemas.openxmlformats.org/presentationml/2006/main">
+  <p:cSld>
+    <p:spTree>
+      <p:nvGrpSpPr>
+        <p:cNvPr id="1" name=""/>
+        <p:cNvGrpSpPr/>
+        <p:nvPr/>
+      </p:nvGrpSpPr>
+      <p:grpSpPr>
+        <a:xfrm>
+          <a:off x="0" y="0"/>
+          <a:ext cx="0" cy="0"/>
+          <a:chOff x="0" y="0"/>
+          <a:chExt cx="0" cy="0"/>
+        </a:xfrm>
+      </p:grpSpPr>
+      <p:sp>
+        <p:nvSpPr>
+          <p:cNvPr id="2" name="Slide Image Placeholder 1"/>
+          <p:cNvSpPr>
+            <a:spLocks noGrp="1" noRot="1" noChangeAspect="1"/>
+          </p:cNvSpPr>
+          <p:nvPr>
+            <p:ph type="sldImg"/>
+          </p:nvPr>
+        </p:nvSpPr>
+        <p:spPr/>
+      </p:sp>
+      <p:sp>
+        <p:nvSpPr>
+          <p:cNvPr id="3" name="Notes Placeholder 2"/>
+          <p:cNvSpPr>
+            <a:spLocks noGrp="1"/>
+          </p:cNvSpPr>
+          <p:nvPr>
+            <p:ph type="body" idx="1"/>
+          </p:nvPr>
+        </p:nvSpPr>
+        <p:spPr/>
+        <p:txBody>
+          <a:bodyPr/>
+          <a:lstStyle/>
+          <a:p>
+            <a:r>
+              <a:rPr lang="en-US" b="1" dirty="0"/>
+              <a:t>*42:15*</a:t>
+            </a:r>
+          </a:p>
+        </p:txBody>
+      </p:sp>
+      <p:sp>
+        <p:nvSpPr>
+          <p:cNvPr id="4" name="Slide Number Placeholder 3"/>
+          <p:cNvSpPr>
+            <a:spLocks noGrp="1"/>
+          </p:cNvSpPr>
+          <p:nvPr>
+            <p:ph type="sldNum" sz="quarter" idx="5"/>
+          </p:nvPr>
+        </p:nvSpPr>
+        <p:spPr/>
+        <p:txBody>
+          <a:bodyPr/>
+          <a:lstStyle/>
+          <a:p>
+            <a:fld id="{2647BC82-7491-44CA-BB04-F33035E9C0D3}" type="slidenum">
+              <a:rPr lang="en-US" smtClean="0"/>
               <a:t>37</a:t>
             </a:fld>
             <a:endParaRPr lang="en-US"/>
@@ -4129,7 +4235,7 @@
 </p:notes>
 </file>
 
-<file path=ppt/notesSlides/notesSlide35.xml><?xml version="1.0" encoding="utf-8"?>
+<file path=ppt/notesSlides/notesSlide36.xml><?xml version="1.0" encoding="utf-8"?>
 <p:notes xmlns:a="http://schemas.openxmlformats.org/drawingml/2006/main" xmlns:r="http://schemas.openxmlformats.org/officeDocument/2006/relationships" xmlns:p="http://schemas.openxmlformats.org/presentationml/2006/main">
   <p:cSld>
     <p:spTree>
@@ -4258,123 +4364,6 @@
 </p:notes>
 </file>
 
-<file path=ppt/notesSlides/notesSlide36.xml><?xml version="1.0" encoding="utf-8"?>
-<p:notes xmlns:a="http://schemas.openxmlformats.org/drawingml/2006/main" xmlns:r="http://schemas.openxmlformats.org/officeDocument/2006/relationships" xmlns:p="http://schemas.openxmlformats.org/presentationml/2006/main">
-  <p:cSld>
-    <p:spTree>
-      <p:nvGrpSpPr>
-        <p:cNvPr id="1" name="">
-          <a:extLst>
-            <a:ext uri="{FF2B5EF4-FFF2-40B4-BE49-F238E27FC236}">
-              <a16:creationId xmlns:a16="http://schemas.microsoft.com/office/drawing/2014/main" id="{49FD77B2-58AA-7EB5-E17E-75327F571BF4}"/>
-            </a:ext>
-          </a:extLst>
-        </p:cNvPr>
-        <p:cNvGrpSpPr/>
-        <p:nvPr/>
-      </p:nvGrpSpPr>
-      <p:grpSpPr>
-        <a:xfrm>
-          <a:off x="0" y="0"/>
-          <a:ext cx="0" cy="0"/>
-          <a:chOff x="0" y="0"/>
-          <a:chExt cx="0" cy="0"/>
-        </a:xfrm>
-      </p:grpSpPr>
-      <p:sp>
-        <p:nvSpPr>
-          <p:cNvPr id="2" name="Slide Image Placeholder 1">
-            <a:extLst>
-              <a:ext uri="{FF2B5EF4-FFF2-40B4-BE49-F238E27FC236}">
-                <a16:creationId xmlns:a16="http://schemas.microsoft.com/office/drawing/2014/main" id="{49A74721-1706-7D68-521B-F0ECD7950B2E}"/>
-              </a:ext>
-            </a:extLst>
-          </p:cNvPr>
-          <p:cNvSpPr>
-            <a:spLocks noGrp="1" noRot="1" noChangeAspect="1"/>
-          </p:cNvSpPr>
-          <p:nvPr>
-            <p:ph type="sldImg"/>
-          </p:nvPr>
-        </p:nvSpPr>
-        <p:spPr/>
-      </p:sp>
-      <p:sp>
-        <p:nvSpPr>
-          <p:cNvPr id="3" name="Notes Placeholder 2">
-            <a:extLst>
-              <a:ext uri="{FF2B5EF4-FFF2-40B4-BE49-F238E27FC236}">
-                <a16:creationId xmlns:a16="http://schemas.microsoft.com/office/drawing/2014/main" id="{B6789895-B505-7B43-E3E1-19DF89AF38E6}"/>
-              </a:ext>
-            </a:extLst>
-          </p:cNvPr>
-          <p:cNvSpPr>
-            <a:spLocks noGrp="1"/>
-          </p:cNvSpPr>
-          <p:nvPr>
-            <p:ph type="body" idx="1"/>
-          </p:nvPr>
-        </p:nvSpPr>
-        <p:spPr/>
-        <p:txBody>
-          <a:bodyPr/>
-          <a:lstStyle/>
-          <a:p>
-            <a:r>
-              <a:rPr lang="en-US" b="1" dirty="0"/>
-              <a:t>*36:00*</a:t>
-            </a:r>
-          </a:p>
-          <a:p>
-            <a:r>
-              <a:rPr lang="en-US" dirty="0"/>
-              <a:t>How did we come up with prescriptions? We diagnosed the symptoms.</a:t>
-            </a:r>
-          </a:p>
-        </p:txBody>
-      </p:sp>
-      <p:sp>
-        <p:nvSpPr>
-          <p:cNvPr id="4" name="Slide Number Placeholder 3">
-            <a:extLst>
-              <a:ext uri="{FF2B5EF4-FFF2-40B4-BE49-F238E27FC236}">
-                <a16:creationId xmlns:a16="http://schemas.microsoft.com/office/drawing/2014/main" id="{42B9FD23-EB99-31E0-CD12-A2844DEEA315}"/>
-              </a:ext>
-            </a:extLst>
-          </p:cNvPr>
-          <p:cNvSpPr>
-            <a:spLocks noGrp="1"/>
-          </p:cNvSpPr>
-          <p:nvPr>
-            <p:ph type="sldNum" sz="quarter" idx="5"/>
-          </p:nvPr>
-        </p:nvSpPr>
-        <p:spPr/>
-        <p:txBody>
-          <a:bodyPr/>
-          <a:lstStyle/>
-          <a:p>
-            <a:fld id="{2647BC82-7491-44CA-BB04-F33035E9C0D3}" type="slidenum">
-              <a:rPr lang="en-US" smtClean="0"/>
-              <a:t>39</a:t>
-            </a:fld>
-            <a:endParaRPr lang="en-US"/>
-          </a:p>
-        </p:txBody>
-      </p:sp>
-    </p:spTree>
-    <p:extLst>
-      <p:ext uri="{BB962C8B-B14F-4D97-AF65-F5344CB8AC3E}">
-        <p14:creationId xmlns:p14="http://schemas.microsoft.com/office/powerpoint/2010/main" val="431270546"/>
-      </p:ext>
-    </p:extLst>
-  </p:cSld>
-  <p:clrMapOvr>
-    <a:masterClrMapping/>
-  </p:clrMapOvr>
-</p:notes>
-</file>
-
 <file path=ppt/notesSlides/notesSlide37.xml><?xml version="1.0" encoding="utf-8"?>
 <p:notes xmlns:a="http://schemas.openxmlformats.org/drawingml/2006/main" xmlns:r="http://schemas.openxmlformats.org/officeDocument/2006/relationships" xmlns:p="http://schemas.openxmlformats.org/presentationml/2006/main">
   <p:cSld>
@@ -4461,7 +4450,7 @@
           <a:p>
             <a:fld id="{2647BC82-7491-44CA-BB04-F33035E9C0D3}" type="slidenum">
               <a:rPr lang="en-US" smtClean="0"/>
-              <a:t>40</a:t>
+              <a:t>39</a:t>
             </a:fld>
             <a:endParaRPr lang="en-US"/>
           </a:p>
@@ -4548,7 +4537,7 @@
           <a:p>
             <a:fld id="{2647BC82-7491-44CA-BB04-F33035E9C0D3}" type="slidenum">
               <a:rPr lang="en-US" smtClean="0"/>
-              <a:t>41</a:t>
+              <a:t>40</a:t>
             </a:fld>
             <a:endParaRPr lang="en-US"/>
           </a:p>
@@ -4642,7 +4631,7 @@
           <a:p>
             <a:fld id="{2647BC82-7491-44CA-BB04-F33035E9C0D3}" type="slidenum">
               <a:rPr lang="en-US" smtClean="0"/>
-              <a:t>42</a:t>
+              <a:t>41</a:t>
             </a:fld>
             <a:endParaRPr lang="en-US"/>
           </a:p>
@@ -4833,7 +4822,7 @@
           <a:p>
             <a:fld id="{2647BC82-7491-44CA-BB04-F33035E9C0D3}" type="slidenum">
               <a:rPr lang="en-US" smtClean="0"/>
-              <a:t>43</a:t>
+              <a:t>42</a:t>
             </a:fld>
             <a:endParaRPr lang="en-US"/>
           </a:p>
@@ -4917,7 +4906,7 @@
           <a:p>
             <a:fld id="{2647BC82-7491-44CA-BB04-F33035E9C0D3}" type="slidenum">
               <a:rPr lang="en-US" smtClean="0"/>
-              <a:t>44</a:t>
+              <a:t>43</a:t>
             </a:fld>
             <a:endParaRPr lang="en-US"/>
           </a:p>
@@ -6768,7 +6757,7 @@
           <a:p>
             <a:fld id="{950BEB1D-5343-4916-A563-E57E2C2B5CDA}" type="datetimeFigureOut">
               <a:rPr lang="en-US" smtClean="0"/>
-              <a:t>7/7/2025</a:t>
+              <a:t>7/16/2025</a:t>
             </a:fld>
             <a:endParaRPr lang="en-US" dirty="0"/>
           </a:p>
@@ -7281,7 +7270,26 @@
                 <a:effectLst/>
                 <a:latin typeface="Arial" panose="020B0604020202020204" pitchFamily="34" charset="0"/>
               </a:rPr>
-              <a:t>Discover SQL Server index prescriptions for the biggest performance improvements</a:t>
+              <a:t>Discover SQL Server index recommendations</a:t>
+            </a:r>
+            <a:br>
+              <a:rPr lang="en-US" sz="2400" b="1" i="0" dirty="0">
+                <a:solidFill>
+                  <a:srgbClr val="111111"/>
+                </a:solidFill>
+                <a:effectLst/>
+                <a:latin typeface="Arial" panose="020B0604020202020204" pitchFamily="34" charset="0"/>
+              </a:rPr>
+            </a:br>
+            <a:r>
+              <a:rPr lang="en-US" sz="2400" b="1" i="0" dirty="0">
+                <a:solidFill>
+                  <a:srgbClr val="111111"/>
+                </a:solidFill>
+                <a:effectLst/>
+                <a:latin typeface="Arial" panose="020B0604020202020204" pitchFamily="34" charset="0"/>
+              </a:rPr>
+              <a:t>for the biggest performance improvements</a:t>
             </a:r>
             <a:endParaRPr lang="en-US" sz="7200" b="1" dirty="0"/>
           </a:p>
@@ -7667,14 +7675,14 @@
           <p:nvPr>
             <p:extLst>
               <p:ext uri="{D42A27DB-BD31-4B8C-83A1-F6EECF244321}">
-                <p14:modId xmlns:p14="http://schemas.microsoft.com/office/powerpoint/2010/main" val="1170406010"/>
+                <p14:modId xmlns:p14="http://schemas.microsoft.com/office/powerpoint/2010/main" val="227364809"/>
               </p:ext>
             </p:extLst>
           </p:nvPr>
         </p:nvGraphicFramePr>
         <p:xfrm>
           <a:off x="1" y="447039"/>
-          <a:ext cx="12423647" cy="6410959"/>
+          <a:ext cx="12192000" cy="6410959"/>
         </p:xfrm>
         <a:graphic>
           <a:graphicData uri="http://schemas.openxmlformats.org/drawingml/2006/table">
@@ -7683,21 +7691,21 @@
                 <a:tableStyleId>{5C22544A-7EE6-4342-B048-85BDC9FD1C3A}</a:tableStyleId>
               </a:tblPr>
               <a:tblGrid>
-                <a:gridCol w="2939509">
+                <a:gridCol w="2884700">
                   <a:extLst>
                     <a:ext uri="{9D8B030D-6E8A-4147-A177-3AD203B41FA5}">
                       <a16:colId xmlns:a16="http://schemas.microsoft.com/office/drawing/2014/main" val="452529053"/>
                     </a:ext>
                   </a:extLst>
                 </a:gridCol>
-                <a:gridCol w="3595402">
+                <a:gridCol w="3528363">
                   <a:extLst>
                     <a:ext uri="{9D8B030D-6E8A-4147-A177-3AD203B41FA5}">
                       <a16:colId xmlns:a16="http://schemas.microsoft.com/office/drawing/2014/main" val="2398911564"/>
                     </a:ext>
                   </a:extLst>
                 </a:gridCol>
-                <a:gridCol w="5888736">
+                <a:gridCol w="5778937">
                   <a:extLst>
                     <a:ext uri="{9D8B030D-6E8A-4147-A177-3AD203B41FA5}">
                       <a16:colId xmlns:a16="http://schemas.microsoft.com/office/drawing/2014/main" val="3664697653"/>
@@ -10575,6 +10583,12 @@
           <a:p>
             <a:r>
               <a:rPr lang="en-US" dirty="0"/>
+              <a:t>Integrate results in Excel</a:t>
+            </a:r>
+          </a:p>
+          <a:p>
+            <a:r>
+              <a:rPr lang="en-US" dirty="0"/>
               <a:t>Comprehensive metadata &amp; metrics</a:t>
             </a:r>
           </a:p>
@@ -10593,11 +10607,8 @@
           <a:p>
             <a:r>
               <a:rPr lang="en-US" dirty="0"/>
-              <a:t>Prioritize highest priority tables for tuning</a:t>
-            </a:r>
-          </a:p>
-          <a:p>
-            <a:endParaRPr lang="en-US" dirty="0"/>
+              <a:t>Prioritize tables for tuning</a:t>
+            </a:r>
           </a:p>
         </p:txBody>
       </p:sp>
@@ -10839,6 +10850,55 @@
                                           <p:spTgt spid="2">
                                             <p:txEl>
                                               <p:pRg st="3" end="3"/>
+                                            </p:txEl>
+                                          </p:spTgt>
+                                        </p:tgtEl>
+                                        <p:attrNameLst>
+                                          <p:attrName>style.visibility</p:attrName>
+                                        </p:attrNameLst>
+                                      </p:cBhvr>
+                                      <p:to>
+                                        <p:strVal val="visible"/>
+                                      </p:to>
+                                    </p:set>
+                                  </p:childTnLst>
+                                </p:cTn>
+                              </p:par>
+                            </p:childTnLst>
+                          </p:cTn>
+                        </p:par>
+                      </p:childTnLst>
+                    </p:cTn>
+                  </p:par>
+                  <p:par>
+                    <p:cTn id="19" fill="hold">
+                      <p:stCondLst>
+                        <p:cond delay="indefinite"/>
+                      </p:stCondLst>
+                      <p:childTnLst>
+                        <p:par>
+                          <p:cTn id="20" fill="hold">
+                            <p:stCondLst>
+                              <p:cond delay="0"/>
+                            </p:stCondLst>
+                            <p:childTnLst>
+                              <p:par>
+                                <p:cTn id="21" presetID="1" presetClass="entr" presetSubtype="0" fill="hold" nodeType="clickEffect">
+                                  <p:stCondLst>
+                                    <p:cond delay="0"/>
+                                  </p:stCondLst>
+                                  <p:childTnLst>
+                                    <p:set>
+                                      <p:cBhvr>
+                                        <p:cTn id="22" dur="1" fill="hold">
+                                          <p:stCondLst>
+                                            <p:cond delay="0"/>
+                                          </p:stCondLst>
+                                        </p:cTn>
+                                        <p:tgtEl>
+                                          <p:spTgt spid="2">
+                                            <p:txEl>
+                                              <p:pRg st="4" end="4"/>
                                             </p:txEl>
                                           </p:spTgt>
                                         </p:tgtEl>
@@ -12388,7 +12448,7 @@
             </a:pPr>
             <a:r>
               <a:rPr lang="en-US" dirty="0"/>
-              <a:t>Reads/Writes	Reads/Writes	Writes have way </a:t>
+              <a:t>Reads/Writes	Reads / Writes	Writes have way </a:t>
             </a:r>
             <a:r>
               <a:rPr lang="en-US" dirty="0" err="1"/>
@@ -13718,7 +13778,7 @@
           <a:p>
             <a:r>
               <a:rPr lang="en-US" dirty="0"/>
-              <a:t>Total up weighted metrics by table</a:t>
+              <a:t>Total up weighted hurts by table</a:t>
             </a:r>
           </a:p>
           <a:p>
@@ -14246,6 +14306,12 @@
           <a:p>
             <a:r>
               <a:rPr lang="en-US" dirty="0"/>
+              <a:t>Versions - Boxed 2012+, Azure SQL Database, Azure SQL Managed Instance</a:t>
+            </a:r>
+          </a:p>
+          <a:p>
+            <a:r>
+              <a:rPr lang="en-US" dirty="0"/>
               <a:t>Download spreadsheet </a:t>
             </a:r>
             <a:r>
@@ -14262,7 +14328,7 @@
             </a:r>
             <a:r>
               <a:rPr lang="en-US" b="1" dirty="0">
-                <a:hlinkClick r:id="rId2"/>
+                <a:hlinkClick r:id="rId3"/>
               </a:rPr>
               <a:t>https://github.com/SQLXL/SQLXL</a:t>
             </a:r>
@@ -14277,18 +14343,7 @@
           <a:p>
             <a:r>
               <a:rPr lang="en-US" dirty="0"/>
-              <a:t>Execute [##SQLXL_Index] procedure</a:t>
-            </a:r>
-          </a:p>
-          <a:p>
-            <a:pPr lvl="1">
-              <a:spcBef>
-                <a:spcPts val="600"/>
-              </a:spcBef>
-            </a:pPr>
-            <a:r>
-              <a:rPr lang="en-US" dirty="0"/>
-              <a:t>Parameters</a:t>
+              <a:t>Execute [##SQLXL_Index] procedure - Parameters</a:t>
             </a:r>
           </a:p>
           <a:p>
@@ -14302,7 +14357,7 @@
             <a:pPr lvl="2"/>
             <a:r>
               <a:rPr lang="en-US" dirty="0"/>
-              <a:t>Foreign Keys - default cover “TRUSTED, ENABLED, REPLICATED” </a:t>
+              <a:t>Foreign Keys - continue existing “TRUSTED, ENABLED, REPLICATED” </a:t>
             </a:r>
           </a:p>
           <a:p>
@@ -14316,13 +14371,35 @@
             <a:pPr lvl="2"/>
             <a:r>
               <a:rPr lang="en-US" dirty="0"/>
-              <a:t>Hurt weightings - modify for your specific environment</a:t>
-            </a:r>
-          </a:p>
-          <a:p>
-            <a:r>
-              <a:rPr lang="en-US" dirty="0"/>
-              <a:t>Click “Get SQL Data” button in spreadsheet</a:t>
+              <a:t>Hurt weightings – can </a:t>
+            </a:r>
+            <a:r>
+              <a:rPr lang="en-US"/>
+              <a:t>be modified </a:t>
+            </a:r>
+            <a:r>
+              <a:rPr lang="en-US" dirty="0"/>
+              <a:t>for your specific environment</a:t>
+            </a:r>
+          </a:p>
+          <a:p>
+            <a:r>
+              <a:rPr lang="en-US" dirty="0"/>
+              <a:t>Import data to spreadsheet &amp; format</a:t>
+            </a:r>
+          </a:p>
+          <a:p>
+            <a:pPr lvl="1"/>
+            <a:r>
+              <a:rPr lang="en-US" dirty="0"/>
+              <a:t>“Get SQL Data” button for direct connect to Excel</a:t>
+            </a:r>
+          </a:p>
+          <a:p>
+            <a:pPr lvl="1"/>
+            <a:r>
+              <a:rPr lang="en-US" dirty="0"/>
+              <a:t>“Get File Data” button for Jump Box &amp; export/import into Excel</a:t>
             </a:r>
           </a:p>
           <a:p>
@@ -14330,18 +14407,6 @@
               <a:rPr lang="en-US" dirty="0"/>
               <a:t>Review &amp; execute prioritized recommendations</a:t>
             </a:r>
-          </a:p>
-          <a:p>
-            <a:r>
-              <a:rPr lang="en-US" dirty="0"/>
-              <a:t>Go faster!</a:t>
-            </a:r>
-          </a:p>
-          <a:p>
-            <a:endParaRPr lang="en-US" dirty="0"/>
-          </a:p>
-          <a:p>
-            <a:endParaRPr lang="en-US" dirty="0"/>
           </a:p>
         </p:txBody>
       </p:sp>
@@ -14396,6 +14461,624 @@
       <p:transition/>
     </mc:Fallback>
   </mc:AlternateContent>
+  <p:timing>
+    <p:tnLst>
+      <p:par>
+        <p:cTn id="1" dur="indefinite" restart="never" nodeType="tmRoot">
+          <p:childTnLst>
+            <p:seq concurrent="1" nextAc="seek">
+              <p:cTn id="2" dur="indefinite" nodeType="mainSeq">
+                <p:childTnLst>
+                  <p:par>
+                    <p:cTn id="3" fill="hold">
+                      <p:stCondLst>
+                        <p:cond delay="indefinite"/>
+                      </p:stCondLst>
+                      <p:childTnLst>
+                        <p:par>
+                          <p:cTn id="4" fill="hold">
+                            <p:stCondLst>
+                              <p:cond delay="0"/>
+                            </p:stCondLst>
+                            <p:childTnLst>
+                              <p:par>
+                                <p:cTn id="5" presetID="1" presetClass="entr" presetSubtype="0" fill="hold" nodeType="clickEffect">
+                                  <p:stCondLst>
+                                    <p:cond delay="0"/>
+                                  </p:stCondLst>
+                                  <p:childTnLst>
+                                    <p:set>
+                                      <p:cBhvr>
+                                        <p:cTn id="6" dur="1" fill="hold">
+                                          <p:stCondLst>
+                                            <p:cond delay="0"/>
+                                          </p:stCondLst>
+                                        </p:cTn>
+                                        <p:tgtEl>
+                                          <p:spTgt spid="2">
+                                            <p:txEl>
+                                              <p:pRg st="0" end="0"/>
+                                            </p:txEl>
+                                          </p:spTgt>
+                                        </p:tgtEl>
+                                        <p:attrNameLst>
+                                          <p:attrName>style.visibility</p:attrName>
+                                        </p:attrNameLst>
+                                      </p:cBhvr>
+                                      <p:to>
+                                        <p:strVal val="visible"/>
+                                      </p:to>
+                                    </p:set>
+                                  </p:childTnLst>
+                                </p:cTn>
+                              </p:par>
+                            </p:childTnLst>
+                          </p:cTn>
+                        </p:par>
+                      </p:childTnLst>
+                    </p:cTn>
+                  </p:par>
+                  <p:par>
+                    <p:cTn id="7" fill="hold">
+                      <p:stCondLst>
+                        <p:cond delay="indefinite"/>
+                      </p:stCondLst>
+                      <p:childTnLst>
+                        <p:par>
+                          <p:cTn id="8" fill="hold">
+                            <p:stCondLst>
+                              <p:cond delay="0"/>
+                            </p:stCondLst>
+                            <p:childTnLst>
+                              <p:par>
+                                <p:cTn id="9" presetID="1" presetClass="entr" presetSubtype="0" fill="hold" nodeType="clickEffect">
+                                  <p:stCondLst>
+                                    <p:cond delay="0"/>
+                                  </p:stCondLst>
+                                  <p:childTnLst>
+                                    <p:set>
+                                      <p:cBhvr>
+                                        <p:cTn id="10" dur="1" fill="hold">
+                                          <p:stCondLst>
+                                            <p:cond delay="0"/>
+                                          </p:stCondLst>
+                                        </p:cTn>
+                                        <p:tgtEl>
+                                          <p:spTgt spid="2">
+                                            <p:txEl>
+                                              <p:pRg st="1" end="1"/>
+                                            </p:txEl>
+                                          </p:spTgt>
+                                        </p:tgtEl>
+                                        <p:attrNameLst>
+                                          <p:attrName>style.visibility</p:attrName>
+                                        </p:attrNameLst>
+                                      </p:cBhvr>
+                                      <p:to>
+                                        <p:strVal val="visible"/>
+                                      </p:to>
+                                    </p:set>
+                                  </p:childTnLst>
+                                </p:cTn>
+                              </p:par>
+                            </p:childTnLst>
+                          </p:cTn>
+                        </p:par>
+                      </p:childTnLst>
+                    </p:cTn>
+                  </p:par>
+                  <p:par>
+                    <p:cTn id="11" fill="hold">
+                      <p:stCondLst>
+                        <p:cond delay="indefinite"/>
+                      </p:stCondLst>
+                      <p:childTnLst>
+                        <p:par>
+                          <p:cTn id="12" fill="hold">
+                            <p:stCondLst>
+                              <p:cond delay="0"/>
+                            </p:stCondLst>
+                            <p:childTnLst>
+                              <p:par>
+                                <p:cTn id="13" presetID="1" presetClass="entr" presetSubtype="0" fill="hold" nodeType="clickEffect">
+                                  <p:stCondLst>
+                                    <p:cond delay="0"/>
+                                  </p:stCondLst>
+                                  <p:childTnLst>
+                                    <p:set>
+                                      <p:cBhvr>
+                                        <p:cTn id="14" dur="1" fill="hold">
+                                          <p:stCondLst>
+                                            <p:cond delay="0"/>
+                                          </p:stCondLst>
+                                        </p:cTn>
+                                        <p:tgtEl>
+                                          <p:spTgt spid="2">
+                                            <p:txEl>
+                                              <p:pRg st="2" end="2"/>
+                                            </p:txEl>
+                                          </p:spTgt>
+                                        </p:tgtEl>
+                                        <p:attrNameLst>
+                                          <p:attrName>style.visibility</p:attrName>
+                                        </p:attrNameLst>
+                                      </p:cBhvr>
+                                      <p:to>
+                                        <p:strVal val="visible"/>
+                                      </p:to>
+                                    </p:set>
+                                  </p:childTnLst>
+                                </p:cTn>
+                              </p:par>
+                            </p:childTnLst>
+                          </p:cTn>
+                        </p:par>
+                      </p:childTnLst>
+                    </p:cTn>
+                  </p:par>
+                  <p:par>
+                    <p:cTn id="15" fill="hold">
+                      <p:stCondLst>
+                        <p:cond delay="indefinite"/>
+                      </p:stCondLst>
+                      <p:childTnLst>
+                        <p:par>
+                          <p:cTn id="16" fill="hold">
+                            <p:stCondLst>
+                              <p:cond delay="0"/>
+                            </p:stCondLst>
+                            <p:childTnLst>
+                              <p:par>
+                                <p:cTn id="17" presetID="1" presetClass="entr" presetSubtype="0" fill="hold" nodeType="clickEffect">
+                                  <p:stCondLst>
+                                    <p:cond delay="0"/>
+                                  </p:stCondLst>
+                                  <p:childTnLst>
+                                    <p:set>
+                                      <p:cBhvr>
+                                        <p:cTn id="18" dur="1" fill="hold">
+                                          <p:stCondLst>
+                                            <p:cond delay="0"/>
+                                          </p:stCondLst>
+                                        </p:cTn>
+                                        <p:tgtEl>
+                                          <p:spTgt spid="2">
+                                            <p:txEl>
+                                              <p:pRg st="3" end="3"/>
+                                            </p:txEl>
+                                          </p:spTgt>
+                                        </p:tgtEl>
+                                        <p:attrNameLst>
+                                          <p:attrName>style.visibility</p:attrName>
+                                        </p:attrNameLst>
+                                      </p:cBhvr>
+                                      <p:to>
+                                        <p:strVal val="visible"/>
+                                      </p:to>
+                                    </p:set>
+                                  </p:childTnLst>
+                                </p:cTn>
+                              </p:par>
+                            </p:childTnLst>
+                          </p:cTn>
+                        </p:par>
+                      </p:childTnLst>
+                    </p:cTn>
+                  </p:par>
+                  <p:par>
+                    <p:cTn id="19" fill="hold">
+                      <p:stCondLst>
+                        <p:cond delay="indefinite"/>
+                      </p:stCondLst>
+                      <p:childTnLst>
+                        <p:par>
+                          <p:cTn id="20" fill="hold">
+                            <p:stCondLst>
+                              <p:cond delay="0"/>
+                            </p:stCondLst>
+                            <p:childTnLst>
+                              <p:par>
+                                <p:cTn id="21" presetID="1" presetClass="entr" presetSubtype="0" fill="hold" nodeType="clickEffect">
+                                  <p:stCondLst>
+                                    <p:cond delay="0"/>
+                                  </p:stCondLst>
+                                  <p:childTnLst>
+                                    <p:set>
+                                      <p:cBhvr>
+                                        <p:cTn id="22" dur="1" fill="hold">
+                                          <p:stCondLst>
+                                            <p:cond delay="0"/>
+                                          </p:stCondLst>
+                                        </p:cTn>
+                                        <p:tgtEl>
+                                          <p:spTgt spid="2">
+                                            <p:txEl>
+                                              <p:pRg st="4" end="4"/>
+                                            </p:txEl>
+                                          </p:spTgt>
+                                        </p:tgtEl>
+                                        <p:attrNameLst>
+                                          <p:attrName>style.visibility</p:attrName>
+                                        </p:attrNameLst>
+                                      </p:cBhvr>
+                                      <p:to>
+                                        <p:strVal val="visible"/>
+                                      </p:to>
+                                    </p:set>
+                                  </p:childTnLst>
+                                </p:cTn>
+                              </p:par>
+                            </p:childTnLst>
+                          </p:cTn>
+                        </p:par>
+                      </p:childTnLst>
+                    </p:cTn>
+                  </p:par>
+                  <p:par>
+                    <p:cTn id="23" fill="hold">
+                      <p:stCondLst>
+                        <p:cond delay="indefinite"/>
+                      </p:stCondLst>
+                      <p:childTnLst>
+                        <p:par>
+                          <p:cTn id="24" fill="hold">
+                            <p:stCondLst>
+                              <p:cond delay="0"/>
+                            </p:stCondLst>
+                            <p:childTnLst>
+                              <p:par>
+                                <p:cTn id="25" presetID="1" presetClass="entr" presetSubtype="0" fill="hold" nodeType="clickEffect">
+                                  <p:stCondLst>
+                                    <p:cond delay="0"/>
+                                  </p:stCondLst>
+                                  <p:childTnLst>
+                                    <p:set>
+                                      <p:cBhvr>
+                                        <p:cTn id="26" dur="1" fill="hold">
+                                          <p:stCondLst>
+                                            <p:cond delay="0"/>
+                                          </p:stCondLst>
+                                        </p:cTn>
+                                        <p:tgtEl>
+                                          <p:spTgt spid="2">
+                                            <p:txEl>
+                                              <p:pRg st="5" end="5"/>
+                                            </p:txEl>
+                                          </p:spTgt>
+                                        </p:tgtEl>
+                                        <p:attrNameLst>
+                                          <p:attrName>style.visibility</p:attrName>
+                                        </p:attrNameLst>
+                                      </p:cBhvr>
+                                      <p:to>
+                                        <p:strVal val="visible"/>
+                                      </p:to>
+                                    </p:set>
+                                  </p:childTnLst>
+                                </p:cTn>
+                              </p:par>
+                            </p:childTnLst>
+                          </p:cTn>
+                        </p:par>
+                      </p:childTnLst>
+                    </p:cTn>
+                  </p:par>
+                  <p:par>
+                    <p:cTn id="27" fill="hold">
+                      <p:stCondLst>
+                        <p:cond delay="indefinite"/>
+                      </p:stCondLst>
+                      <p:childTnLst>
+                        <p:par>
+                          <p:cTn id="28" fill="hold">
+                            <p:stCondLst>
+                              <p:cond delay="0"/>
+                            </p:stCondLst>
+                            <p:childTnLst>
+                              <p:par>
+                                <p:cTn id="29" presetID="1" presetClass="entr" presetSubtype="0" fill="hold" nodeType="clickEffect">
+                                  <p:stCondLst>
+                                    <p:cond delay="0"/>
+                                  </p:stCondLst>
+                                  <p:childTnLst>
+                                    <p:set>
+                                      <p:cBhvr>
+                                        <p:cTn id="30" dur="1" fill="hold">
+                                          <p:stCondLst>
+                                            <p:cond delay="0"/>
+                                          </p:stCondLst>
+                                        </p:cTn>
+                                        <p:tgtEl>
+                                          <p:spTgt spid="2">
+                                            <p:txEl>
+                                              <p:pRg st="6" end="6"/>
+                                            </p:txEl>
+                                          </p:spTgt>
+                                        </p:tgtEl>
+                                        <p:attrNameLst>
+                                          <p:attrName>style.visibility</p:attrName>
+                                        </p:attrNameLst>
+                                      </p:cBhvr>
+                                      <p:to>
+                                        <p:strVal val="visible"/>
+                                      </p:to>
+                                    </p:set>
+                                  </p:childTnLst>
+                                </p:cTn>
+                              </p:par>
+                            </p:childTnLst>
+                          </p:cTn>
+                        </p:par>
+                      </p:childTnLst>
+                    </p:cTn>
+                  </p:par>
+                  <p:par>
+                    <p:cTn id="31" fill="hold">
+                      <p:stCondLst>
+                        <p:cond delay="indefinite"/>
+                      </p:stCondLst>
+                      <p:childTnLst>
+                        <p:par>
+                          <p:cTn id="32" fill="hold">
+                            <p:stCondLst>
+                              <p:cond delay="0"/>
+                            </p:stCondLst>
+                            <p:childTnLst>
+                              <p:par>
+                                <p:cTn id="33" presetID="1" presetClass="entr" presetSubtype="0" fill="hold" nodeType="clickEffect">
+                                  <p:stCondLst>
+                                    <p:cond delay="0"/>
+                                  </p:stCondLst>
+                                  <p:childTnLst>
+                                    <p:set>
+                                      <p:cBhvr>
+                                        <p:cTn id="34" dur="1" fill="hold">
+                                          <p:stCondLst>
+                                            <p:cond delay="0"/>
+                                          </p:stCondLst>
+                                        </p:cTn>
+                                        <p:tgtEl>
+                                          <p:spTgt spid="2">
+                                            <p:txEl>
+                                              <p:pRg st="7" end="7"/>
+                                            </p:txEl>
+                                          </p:spTgt>
+                                        </p:tgtEl>
+                                        <p:attrNameLst>
+                                          <p:attrName>style.visibility</p:attrName>
+                                        </p:attrNameLst>
+                                      </p:cBhvr>
+                                      <p:to>
+                                        <p:strVal val="visible"/>
+                                      </p:to>
+                                    </p:set>
+                                  </p:childTnLst>
+                                </p:cTn>
+                              </p:par>
+                            </p:childTnLst>
+                          </p:cTn>
+                        </p:par>
+                      </p:childTnLst>
+                    </p:cTn>
+                  </p:par>
+                  <p:par>
+                    <p:cTn id="35" fill="hold">
+                      <p:stCondLst>
+                        <p:cond delay="indefinite"/>
+                      </p:stCondLst>
+                      <p:childTnLst>
+                        <p:par>
+                          <p:cTn id="36" fill="hold">
+                            <p:stCondLst>
+                              <p:cond delay="0"/>
+                            </p:stCondLst>
+                            <p:childTnLst>
+                              <p:par>
+                                <p:cTn id="37" presetID="1" presetClass="entr" presetSubtype="0" fill="hold" nodeType="clickEffect">
+                                  <p:stCondLst>
+                                    <p:cond delay="0"/>
+                                  </p:stCondLst>
+                                  <p:childTnLst>
+                                    <p:set>
+                                      <p:cBhvr>
+                                        <p:cTn id="38" dur="1" fill="hold">
+                                          <p:stCondLst>
+                                            <p:cond delay="0"/>
+                                          </p:stCondLst>
+                                        </p:cTn>
+                                        <p:tgtEl>
+                                          <p:spTgt spid="2">
+                                            <p:txEl>
+                                              <p:pRg st="8" end="8"/>
+                                            </p:txEl>
+                                          </p:spTgt>
+                                        </p:tgtEl>
+                                        <p:attrNameLst>
+                                          <p:attrName>style.visibility</p:attrName>
+                                        </p:attrNameLst>
+                                      </p:cBhvr>
+                                      <p:to>
+                                        <p:strVal val="visible"/>
+                                      </p:to>
+                                    </p:set>
+                                  </p:childTnLst>
+                                </p:cTn>
+                              </p:par>
+                            </p:childTnLst>
+                          </p:cTn>
+                        </p:par>
+                      </p:childTnLst>
+                    </p:cTn>
+                  </p:par>
+                  <p:par>
+                    <p:cTn id="39" fill="hold">
+                      <p:stCondLst>
+                        <p:cond delay="indefinite"/>
+                      </p:stCondLst>
+                      <p:childTnLst>
+                        <p:par>
+                          <p:cTn id="40" fill="hold">
+                            <p:stCondLst>
+                              <p:cond delay="0"/>
+                            </p:stCondLst>
+                            <p:childTnLst>
+                              <p:par>
+                                <p:cTn id="41" presetID="1" presetClass="entr" presetSubtype="0" fill="hold" nodeType="clickEffect">
+                                  <p:stCondLst>
+                                    <p:cond delay="0"/>
+                                  </p:stCondLst>
+                                  <p:childTnLst>
+                                    <p:set>
+                                      <p:cBhvr>
+                                        <p:cTn id="42" dur="1" fill="hold">
+                                          <p:stCondLst>
+                                            <p:cond delay="0"/>
+                                          </p:stCondLst>
+                                        </p:cTn>
+                                        <p:tgtEl>
+                                          <p:spTgt spid="2">
+                                            <p:txEl>
+                                              <p:pRg st="9" end="9"/>
+                                            </p:txEl>
+                                          </p:spTgt>
+                                        </p:tgtEl>
+                                        <p:attrNameLst>
+                                          <p:attrName>style.visibility</p:attrName>
+                                        </p:attrNameLst>
+                                      </p:cBhvr>
+                                      <p:to>
+                                        <p:strVal val="visible"/>
+                                      </p:to>
+                                    </p:set>
+                                  </p:childTnLst>
+                                </p:cTn>
+                              </p:par>
+                            </p:childTnLst>
+                          </p:cTn>
+                        </p:par>
+                      </p:childTnLst>
+                    </p:cTn>
+                  </p:par>
+                  <p:par>
+                    <p:cTn id="43" fill="hold">
+                      <p:stCondLst>
+                        <p:cond delay="indefinite"/>
+                      </p:stCondLst>
+                      <p:childTnLst>
+                        <p:par>
+                          <p:cTn id="44" fill="hold">
+                            <p:stCondLst>
+                              <p:cond delay="0"/>
+                            </p:stCondLst>
+                            <p:childTnLst>
+                              <p:par>
+                                <p:cTn id="45" presetID="1" presetClass="entr" presetSubtype="0" fill="hold" nodeType="clickEffect">
+                                  <p:stCondLst>
+                                    <p:cond delay="0"/>
+                                  </p:stCondLst>
+                                  <p:childTnLst>
+                                    <p:set>
+                                      <p:cBhvr>
+                                        <p:cTn id="46" dur="1" fill="hold">
+                                          <p:stCondLst>
+                                            <p:cond delay="0"/>
+                                          </p:stCondLst>
+                                        </p:cTn>
+                                        <p:tgtEl>
+                                          <p:spTgt spid="2">
+                                            <p:txEl>
+                                              <p:pRg st="10" end="10"/>
+                                            </p:txEl>
+                                          </p:spTgt>
+                                        </p:tgtEl>
+                                        <p:attrNameLst>
+                                          <p:attrName>style.visibility</p:attrName>
+                                        </p:attrNameLst>
+                                      </p:cBhvr>
+                                      <p:to>
+                                        <p:strVal val="visible"/>
+                                      </p:to>
+                                    </p:set>
+                                  </p:childTnLst>
+                                </p:cTn>
+                              </p:par>
+                            </p:childTnLst>
+                          </p:cTn>
+                        </p:par>
+                      </p:childTnLst>
+                    </p:cTn>
+                  </p:par>
+                  <p:par>
+                    <p:cTn id="47" fill="hold">
+                      <p:stCondLst>
+                        <p:cond delay="indefinite"/>
+                      </p:stCondLst>
+                      <p:childTnLst>
+                        <p:par>
+                          <p:cTn id="48" fill="hold">
+                            <p:stCondLst>
+                              <p:cond delay="0"/>
+                            </p:stCondLst>
+                            <p:childTnLst>
+                              <p:par>
+                                <p:cTn id="49" presetID="1" presetClass="entr" presetSubtype="0" fill="hold" nodeType="clickEffect">
+                                  <p:stCondLst>
+                                    <p:cond delay="0"/>
+                                  </p:stCondLst>
+                                  <p:childTnLst>
+                                    <p:set>
+                                      <p:cBhvr>
+                                        <p:cTn id="50" dur="1" fill="hold">
+                                          <p:stCondLst>
+                                            <p:cond delay="0"/>
+                                          </p:stCondLst>
+                                        </p:cTn>
+                                        <p:tgtEl>
+                                          <p:spTgt spid="2">
+                                            <p:txEl>
+                                              <p:pRg st="11" end="11"/>
+                                            </p:txEl>
+                                          </p:spTgt>
+                                        </p:tgtEl>
+                                        <p:attrNameLst>
+                                          <p:attrName>style.visibility</p:attrName>
+                                        </p:attrNameLst>
+                                      </p:cBhvr>
+                                      <p:to>
+                                        <p:strVal val="visible"/>
+                                      </p:to>
+                                    </p:set>
+                                  </p:childTnLst>
+                                </p:cTn>
+                              </p:par>
+                            </p:childTnLst>
+                          </p:cTn>
+                        </p:par>
+                      </p:childTnLst>
+                    </p:cTn>
+                  </p:par>
+                </p:childTnLst>
+              </p:cTn>
+              <p:prevCondLst>
+                <p:cond evt="onPrev" delay="0">
+                  <p:tgtEl>
+                    <p:sldTgt/>
+                  </p:tgtEl>
+                </p:cond>
+              </p:prevCondLst>
+              <p:nextCondLst>
+                <p:cond evt="onNext" delay="0">
+                  <p:tgtEl>
+                    <p:sldTgt/>
+                  </p:tgtEl>
+                </p:cond>
+              </p:nextCondLst>
+            </p:seq>
+          </p:childTnLst>
+        </p:cTn>
+      </p:par>
+    </p:tnLst>
+  </p:timing>
 </p:sld>
 </file>
 
@@ -14665,7 +15348,7 @@
         </p:nvGrpSpPr>
         <p:grpSpPr>
           <a:xfrm>
-            <a:off x="10399" y="402336"/>
+            <a:off x="0" y="111129"/>
             <a:ext cx="12192000" cy="1746504"/>
             <a:chOff x="0" y="0"/>
             <a:chExt cx="12192000" cy="1746504"/>
@@ -15180,6 +15863,114 @@
           </a:p>
         </p:txBody>
       </p:sp>
+      <p:sp>
+        <p:nvSpPr>
+          <p:cNvPr id="3" name="TextBox 2">
+            <a:extLst>
+              <a:ext uri="{FF2B5EF4-FFF2-40B4-BE49-F238E27FC236}">
+                <a16:creationId xmlns:a16="http://schemas.microsoft.com/office/drawing/2014/main" id="{3A8DD28E-F160-2B1E-5D44-F7075C719214}"/>
+              </a:ext>
+            </a:extLst>
+          </p:cNvPr>
+          <p:cNvSpPr txBox="1"/>
+          <p:nvPr/>
+        </p:nvSpPr>
+        <p:spPr>
+          <a:xfrm>
+            <a:off x="1085088" y="1858315"/>
+            <a:ext cx="2157984" cy="369332"/>
+          </a:xfrm>
+          <a:prstGeom prst="rect">
+            <a:avLst/>
+          </a:prstGeom>
+          <a:noFill/>
+        </p:spPr>
+        <p:txBody>
+          <a:bodyPr wrap="square" rtlCol="0">
+            <a:spAutoFit/>
+          </a:bodyPr>
+          <a:lstStyle/>
+          <a:p>
+            <a:pPr algn="ctr"/>
+            <a:r>
+              <a:rPr lang="en-US" b="1" dirty="0"/>
+              <a:t>August 18-19 2025</a:t>
+            </a:r>
+          </a:p>
+        </p:txBody>
+      </p:sp>
+      <p:sp>
+        <p:nvSpPr>
+          <p:cNvPr id="4" name="TextBox 3">
+            <a:extLst>
+              <a:ext uri="{FF2B5EF4-FFF2-40B4-BE49-F238E27FC236}">
+                <a16:creationId xmlns:a16="http://schemas.microsoft.com/office/drawing/2014/main" id="{6B2DDE50-B34F-5D0B-7750-3A6A2E704D36}"/>
+              </a:ext>
+            </a:extLst>
+          </p:cNvPr>
+          <p:cNvSpPr txBox="1"/>
+          <p:nvPr/>
+        </p:nvSpPr>
+        <p:spPr>
+          <a:xfrm>
+            <a:off x="4852416" y="1850294"/>
+            <a:ext cx="2414016" cy="369332"/>
+          </a:xfrm>
+          <a:prstGeom prst="rect">
+            <a:avLst/>
+          </a:prstGeom>
+          <a:noFill/>
+        </p:spPr>
+        <p:txBody>
+          <a:bodyPr wrap="square" rtlCol="0">
+            <a:spAutoFit/>
+          </a:bodyPr>
+          <a:lstStyle/>
+          <a:p>
+            <a:pPr algn="ctr"/>
+            <a:r>
+              <a:rPr lang="en-US" b="1" dirty="0"/>
+              <a:t>September 15-16 2025</a:t>
+            </a:r>
+          </a:p>
+        </p:txBody>
+      </p:sp>
+      <p:sp>
+        <p:nvSpPr>
+          <p:cNvPr id="5" name="TextBox 4">
+            <a:extLst>
+              <a:ext uri="{FF2B5EF4-FFF2-40B4-BE49-F238E27FC236}">
+                <a16:creationId xmlns:a16="http://schemas.microsoft.com/office/drawing/2014/main" id="{25432CA9-C5EF-FECD-5E8F-178C5A3F7044}"/>
+              </a:ext>
+            </a:extLst>
+          </p:cNvPr>
+          <p:cNvSpPr txBox="1"/>
+          <p:nvPr/>
+        </p:nvSpPr>
+        <p:spPr>
+          <a:xfrm>
+            <a:off x="9295597" y="1842674"/>
+            <a:ext cx="2414016" cy="369332"/>
+          </a:xfrm>
+          <a:prstGeom prst="rect">
+            <a:avLst/>
+          </a:prstGeom>
+          <a:noFill/>
+        </p:spPr>
+        <p:txBody>
+          <a:bodyPr wrap="square" rtlCol="0">
+            <a:spAutoFit/>
+          </a:bodyPr>
+          <a:lstStyle/>
+          <a:p>
+            <a:pPr algn="ctr"/>
+            <a:r>
+              <a:rPr lang="en-US" b="1" dirty="0"/>
+              <a:t>October 1-2 2025</a:t>
+            </a:r>
+          </a:p>
+        </p:txBody>
+      </p:sp>
     </p:spTree>
     <p:extLst>
       <p:ext uri="{BB962C8B-B14F-4D97-AF65-F5344CB8AC3E}">
@@ -15349,7 +16140,7 @@
           <a:p>
             <a:r>
               <a:rPr lang="en-US" dirty="0"/>
-              <a:t>Client Story – What steps do we follow to make the hurt go away!</a:t>
+              <a:t>Client Story – What do we do?</a:t>
             </a:r>
           </a:p>
         </p:txBody>
@@ -19432,7 +20223,7 @@
             <a:pPr lvl="1"/>
             <a:r>
               <a:rPr lang="en-US" dirty="0"/>
-              <a:t>Least used Duplicated</a:t>
+              <a:t>Duplicates - Least used</a:t>
             </a:r>
           </a:p>
           <a:p>
@@ -20355,7 +21146,7 @@
                                         <p:tgtEl>
                                           <p:spTgt spid="7">
                                             <p:txEl>
-                                              <p:pRg st="3" end="3"/>
+                                              <p:pRg st="2" end="2"/>
                                             </p:txEl>
                                           </p:spTgt>
                                         </p:tgtEl>
@@ -20404,7 +21195,7 @@
                                         <p:tgtEl>
                                           <p:spTgt spid="7">
                                             <p:txEl>
-                                              <p:pRg st="2" end="2"/>
+                                              <p:pRg st="3" end="3"/>
                                             </p:txEl>
                                           </p:spTgt>
                                         </p:tgtEl>
@@ -21360,11 +22151,6 @@
             </a:r>
           </a:p>
           <a:p>
-            <a:pPr>
-              <a:tabLst>
-                <a:tab pos="1255713" algn="l"/>
-              </a:tabLst>
-            </a:pPr>
             <a:r>
               <a:rPr lang="en-US" dirty="0"/>
               <a:t>1984 - First SQL statement</a:t>
@@ -26772,723 +27558,6 @@
   <p:cSld>
     <p:spTree>
       <p:nvGrpSpPr>
-        <p:cNvPr id="1" name="">
-          <a:extLst>
-            <a:ext uri="{FF2B5EF4-FFF2-40B4-BE49-F238E27FC236}">
-              <a16:creationId xmlns:a16="http://schemas.microsoft.com/office/drawing/2014/main" id="{B4EE81AB-B9DF-5CF8-3F74-94F9C950AB18}"/>
-            </a:ext>
-          </a:extLst>
-        </p:cNvPr>
-        <p:cNvGrpSpPr/>
-        <p:nvPr/>
-      </p:nvGrpSpPr>
-      <p:grpSpPr>
-        <a:xfrm>
-          <a:off x="0" y="0"/>
-          <a:ext cx="0" cy="0"/>
-          <a:chOff x="0" y="0"/>
-          <a:chExt cx="0" cy="0"/>
-        </a:xfrm>
-      </p:grpSpPr>
-      <p:sp>
-        <p:nvSpPr>
-          <p:cNvPr id="2" name="Content Placeholder 1">
-            <a:extLst>
-              <a:ext uri="{FF2B5EF4-FFF2-40B4-BE49-F238E27FC236}">
-                <a16:creationId xmlns:a16="http://schemas.microsoft.com/office/drawing/2014/main" id="{7F8819BB-B29E-BE96-94FA-30976F49A4B9}"/>
-              </a:ext>
-            </a:extLst>
-          </p:cNvPr>
-          <p:cNvSpPr>
-            <a:spLocks noGrp="1"/>
-          </p:cNvSpPr>
-          <p:nvPr>
-            <p:ph idx="1"/>
-          </p:nvPr>
-        </p:nvSpPr>
-        <p:spPr>
-          <a:xfrm>
-            <a:off x="14805" y="447040"/>
-            <a:ext cx="12191999" cy="6410960"/>
-          </a:xfrm>
-        </p:spPr>
-        <p:txBody>
-          <a:bodyPr/>
-          <a:lstStyle/>
-          <a:p>
-            <a:pPr>
-              <a:spcBef>
-                <a:spcPts val="600"/>
-              </a:spcBef>
-            </a:pPr>
-            <a:r>
-              <a:rPr lang="en-US" dirty="0"/>
-              <a:t>38 seconds on client</a:t>
-            </a:r>
-          </a:p>
-          <a:p>
-            <a:r>
-              <a:rPr lang="en-US" dirty="0"/>
-              <a:t>Versions</a:t>
-            </a:r>
-          </a:p>
-          <a:p>
-            <a:pPr lvl="1"/>
-            <a:r>
-              <a:rPr lang="en-US" dirty="0"/>
-              <a:t>Boxed product 2012+</a:t>
-            </a:r>
-          </a:p>
-          <a:p>
-            <a:pPr lvl="1"/>
-            <a:r>
-              <a:rPr lang="en-US" dirty="0"/>
-              <a:t>Azure SQL Database</a:t>
-            </a:r>
-          </a:p>
-          <a:p>
-            <a:pPr lvl="1"/>
-            <a:r>
-              <a:rPr lang="en-US" dirty="0"/>
-              <a:t>Azure SQL Managed Instance</a:t>
-            </a:r>
-          </a:p>
-          <a:p>
-            <a:r>
-              <a:rPr lang="en-US" dirty="0"/>
-              <a:t>Connections</a:t>
-            </a:r>
-          </a:p>
-          <a:p>
-            <a:pPr lvl="1"/>
-            <a:r>
-              <a:rPr lang="en-US" dirty="0"/>
-              <a:t>Direct to Excel</a:t>
-            </a:r>
-          </a:p>
-          <a:p>
-            <a:pPr lvl="1"/>
-            <a:r>
-              <a:rPr lang="en-US" dirty="0"/>
-              <a:t>Jump Box &amp; export/import into Excel</a:t>
-            </a:r>
-          </a:p>
-        </p:txBody>
-      </p:sp>
-      <p:sp>
-        <p:nvSpPr>
-          <p:cNvPr id="3" name="Title 2">
-            <a:extLst>
-              <a:ext uri="{FF2B5EF4-FFF2-40B4-BE49-F238E27FC236}">
-                <a16:creationId xmlns:a16="http://schemas.microsoft.com/office/drawing/2014/main" id="{331EC125-AB9B-E3D4-AFBA-8AA534BACCBD}"/>
-              </a:ext>
-            </a:extLst>
-          </p:cNvPr>
-          <p:cNvSpPr>
-            <a:spLocks noGrp="1"/>
-          </p:cNvSpPr>
-          <p:nvPr>
-            <p:ph type="title"/>
-          </p:nvPr>
-        </p:nvSpPr>
-        <p:spPr/>
-        <p:txBody>
-          <a:bodyPr/>
-          <a:lstStyle/>
-          <a:p>
-            <a:r>
-              <a:rPr lang="en-US" dirty="0"/>
-              <a:t>Execution</a:t>
-            </a:r>
-          </a:p>
-        </p:txBody>
-      </p:sp>
-      <p:pic>
-        <p:nvPicPr>
-          <p:cNvPr id="2050" name="Picture 2" descr="man running on rolling clock - run time photographs and stock images">
-            <a:extLst>
-              <a:ext uri="{FF2B5EF4-FFF2-40B4-BE49-F238E27FC236}">
-                <a16:creationId xmlns:a16="http://schemas.microsoft.com/office/drawing/2014/main" id="{ACD0552D-24C0-600D-11FE-295BE64E826E}"/>
-              </a:ext>
-            </a:extLst>
-          </p:cNvPr>
-          <p:cNvPicPr>
-            <a:picLocks noChangeAspect="1" noChangeArrowheads="1"/>
-          </p:cNvPicPr>
-          <p:nvPr/>
-        </p:nvPicPr>
-        <p:blipFill>
-          <a:blip r:embed="rId3">
-            <a:extLst>
-              <a:ext uri="{28A0092B-C50C-407E-A947-70E740481C1C}">
-                <a14:useLocalDpi xmlns:a14="http://schemas.microsoft.com/office/drawing/2010/main" val="0"/>
-              </a:ext>
-            </a:extLst>
-          </a:blip>
-          <a:srcRect/>
-          <a:stretch>
-            <a:fillRect/>
-          </a:stretch>
-        </p:blipFill>
-        <p:spPr bwMode="auto">
-          <a:xfrm>
-            <a:off x="6343654" y="737870"/>
-            <a:ext cx="5829300" cy="5829300"/>
-          </a:xfrm>
-          <a:prstGeom prst="rect">
-            <a:avLst/>
-          </a:prstGeom>
-          <a:noFill/>
-          <a:extLst>
-            <a:ext uri="{909E8E84-426E-40DD-AFC4-6F175D3DCCD1}">
-              <a14:hiddenFill xmlns:a14="http://schemas.microsoft.com/office/drawing/2010/main">
-                <a:solidFill>
-                  <a:srgbClr val="FFFFFF"/>
-                </a:solidFill>
-              </a14:hiddenFill>
-            </a:ext>
-          </a:extLst>
-        </p:spPr>
-      </p:pic>
-    </p:spTree>
-    <p:extLst>
-      <p:ext uri="{BB962C8B-B14F-4D97-AF65-F5344CB8AC3E}">
-        <p14:creationId xmlns:p14="http://schemas.microsoft.com/office/powerpoint/2010/main" val="1825929034"/>
-      </p:ext>
-    </p:extLst>
-  </p:cSld>
-  <p:clrMapOvr>
-    <a:masterClrMapping/>
-  </p:clrMapOvr>
-  <mc:AlternateContent xmlns:mc="http://schemas.openxmlformats.org/markup-compatibility/2006" xmlns:p14="http://schemas.microsoft.com/office/powerpoint/2010/main">
-    <mc:Choice Requires="p14">
-      <p:transition p14:dur="100"/>
-    </mc:Choice>
-    <mc:Fallback xmlns="">
-      <p:transition/>
-    </mc:Fallback>
-  </mc:AlternateContent>
-  <p:timing>
-    <p:tnLst>
-      <p:par>
-        <p:cTn id="1" dur="indefinite" restart="never" nodeType="tmRoot">
-          <p:childTnLst>
-            <p:seq concurrent="1" nextAc="seek">
-              <p:cTn id="2" dur="indefinite" nodeType="mainSeq">
-                <p:childTnLst>
-                  <p:par>
-                    <p:cTn id="3" fill="hold">
-                      <p:stCondLst>
-                        <p:cond delay="indefinite"/>
-                      </p:stCondLst>
-                      <p:childTnLst>
-                        <p:par>
-                          <p:cTn id="4" fill="hold">
-                            <p:stCondLst>
-                              <p:cond delay="0"/>
-                            </p:stCondLst>
-                            <p:childTnLst>
-                              <p:par>
-                                <p:cTn id="5" presetID="1" presetClass="entr" presetSubtype="0" fill="hold" nodeType="clickEffect">
-                                  <p:stCondLst>
-                                    <p:cond delay="0"/>
-                                  </p:stCondLst>
-                                  <p:childTnLst>
-                                    <p:set>
-                                      <p:cBhvr>
-                                        <p:cTn id="6" dur="1" fill="hold">
-                                          <p:stCondLst>
-                                            <p:cond delay="0"/>
-                                          </p:stCondLst>
-                                        </p:cTn>
-                                        <p:tgtEl>
-                                          <p:spTgt spid="2">
-                                            <p:txEl>
-                                              <p:pRg st="0" end="0"/>
-                                            </p:txEl>
-                                          </p:spTgt>
-                                        </p:tgtEl>
-                                        <p:attrNameLst>
-                                          <p:attrName>style.visibility</p:attrName>
-                                        </p:attrNameLst>
-                                      </p:cBhvr>
-                                      <p:to>
-                                        <p:strVal val="visible"/>
-                                      </p:to>
-                                    </p:set>
-                                  </p:childTnLst>
-                                </p:cTn>
-                              </p:par>
-                            </p:childTnLst>
-                          </p:cTn>
-                        </p:par>
-                      </p:childTnLst>
-                    </p:cTn>
-                  </p:par>
-                  <p:par>
-                    <p:cTn id="7" fill="hold">
-                      <p:stCondLst>
-                        <p:cond delay="indefinite"/>
-                      </p:stCondLst>
-                      <p:childTnLst>
-                        <p:par>
-                          <p:cTn id="8" fill="hold">
-                            <p:stCondLst>
-                              <p:cond delay="0"/>
-                            </p:stCondLst>
-                            <p:childTnLst>
-                              <p:par>
-                                <p:cTn id="9" presetID="1" presetClass="entr" presetSubtype="0" fill="hold" nodeType="clickEffect">
-                                  <p:stCondLst>
-                                    <p:cond delay="0"/>
-                                  </p:stCondLst>
-                                  <p:childTnLst>
-                                    <p:set>
-                                      <p:cBhvr>
-                                        <p:cTn id="10" dur="1" fill="hold">
-                                          <p:stCondLst>
-                                            <p:cond delay="0"/>
-                                          </p:stCondLst>
-                                        </p:cTn>
-                                        <p:tgtEl>
-                                          <p:spTgt spid="2">
-                                            <p:txEl>
-                                              <p:pRg st="1" end="1"/>
-                                            </p:txEl>
-                                          </p:spTgt>
-                                        </p:tgtEl>
-                                        <p:attrNameLst>
-                                          <p:attrName>style.visibility</p:attrName>
-                                        </p:attrNameLst>
-                                      </p:cBhvr>
-                                      <p:to>
-                                        <p:strVal val="visible"/>
-                                      </p:to>
-                                    </p:set>
-                                  </p:childTnLst>
-                                </p:cTn>
-                              </p:par>
-                              <p:par>
-                                <p:cTn id="11" presetID="1" presetClass="entr" presetSubtype="0" fill="hold" nodeType="withEffect">
-                                  <p:stCondLst>
-                                    <p:cond delay="0"/>
-                                  </p:stCondLst>
-                                  <p:childTnLst>
-                                    <p:set>
-                                      <p:cBhvr>
-                                        <p:cTn id="12" dur="1" fill="hold">
-                                          <p:stCondLst>
-                                            <p:cond delay="0"/>
-                                          </p:stCondLst>
-                                        </p:cTn>
-                                        <p:tgtEl>
-                                          <p:spTgt spid="2">
-                                            <p:txEl>
-                                              <p:pRg st="2" end="2"/>
-                                            </p:txEl>
-                                          </p:spTgt>
-                                        </p:tgtEl>
-                                        <p:attrNameLst>
-                                          <p:attrName>style.visibility</p:attrName>
-                                        </p:attrNameLst>
-                                      </p:cBhvr>
-                                      <p:to>
-                                        <p:strVal val="visible"/>
-                                      </p:to>
-                                    </p:set>
-                                  </p:childTnLst>
-                                </p:cTn>
-                              </p:par>
-                              <p:par>
-                                <p:cTn id="13" presetID="1" presetClass="entr" presetSubtype="0" fill="hold" nodeType="withEffect">
-                                  <p:stCondLst>
-                                    <p:cond delay="0"/>
-                                  </p:stCondLst>
-                                  <p:childTnLst>
-                                    <p:set>
-                                      <p:cBhvr>
-                                        <p:cTn id="14" dur="1" fill="hold">
-                                          <p:stCondLst>
-                                            <p:cond delay="0"/>
-                                          </p:stCondLst>
-                                        </p:cTn>
-                                        <p:tgtEl>
-                                          <p:spTgt spid="2">
-                                            <p:txEl>
-                                              <p:pRg st="3" end="3"/>
-                                            </p:txEl>
-                                          </p:spTgt>
-                                        </p:tgtEl>
-                                        <p:attrNameLst>
-                                          <p:attrName>style.visibility</p:attrName>
-                                        </p:attrNameLst>
-                                      </p:cBhvr>
-                                      <p:to>
-                                        <p:strVal val="visible"/>
-                                      </p:to>
-                                    </p:set>
-                                  </p:childTnLst>
-                                </p:cTn>
-                              </p:par>
-                              <p:par>
-                                <p:cTn id="15" presetID="1" presetClass="entr" presetSubtype="0" fill="hold" nodeType="withEffect">
-                                  <p:stCondLst>
-                                    <p:cond delay="0"/>
-                                  </p:stCondLst>
-                                  <p:childTnLst>
-                                    <p:set>
-                                      <p:cBhvr>
-                                        <p:cTn id="16" dur="1" fill="hold">
-                                          <p:stCondLst>
-                                            <p:cond delay="0"/>
-                                          </p:stCondLst>
-                                        </p:cTn>
-                                        <p:tgtEl>
-                                          <p:spTgt spid="2">
-                                            <p:txEl>
-                                              <p:pRg st="4" end="4"/>
-                                            </p:txEl>
-                                          </p:spTgt>
-                                        </p:tgtEl>
-                                        <p:attrNameLst>
-                                          <p:attrName>style.visibility</p:attrName>
-                                        </p:attrNameLst>
-                                      </p:cBhvr>
-                                      <p:to>
-                                        <p:strVal val="visible"/>
-                                      </p:to>
-                                    </p:set>
-                                  </p:childTnLst>
-                                </p:cTn>
-                              </p:par>
-                            </p:childTnLst>
-                          </p:cTn>
-                        </p:par>
-                      </p:childTnLst>
-                    </p:cTn>
-                  </p:par>
-                  <p:par>
-                    <p:cTn id="17" fill="hold">
-                      <p:stCondLst>
-                        <p:cond delay="indefinite"/>
-                      </p:stCondLst>
-                      <p:childTnLst>
-                        <p:par>
-                          <p:cTn id="18" fill="hold">
-                            <p:stCondLst>
-                              <p:cond delay="0"/>
-                            </p:stCondLst>
-                            <p:childTnLst>
-                              <p:par>
-                                <p:cTn id="19" presetID="1" presetClass="entr" presetSubtype="0" fill="hold" nodeType="clickEffect">
-                                  <p:stCondLst>
-                                    <p:cond delay="0"/>
-                                  </p:stCondLst>
-                                  <p:childTnLst>
-                                    <p:set>
-                                      <p:cBhvr>
-                                        <p:cTn id="20" dur="1" fill="hold">
-                                          <p:stCondLst>
-                                            <p:cond delay="0"/>
-                                          </p:stCondLst>
-                                        </p:cTn>
-                                        <p:tgtEl>
-                                          <p:spTgt spid="2">
-                                            <p:txEl>
-                                              <p:pRg st="5" end="5"/>
-                                            </p:txEl>
-                                          </p:spTgt>
-                                        </p:tgtEl>
-                                        <p:attrNameLst>
-                                          <p:attrName>style.visibility</p:attrName>
-                                        </p:attrNameLst>
-                                      </p:cBhvr>
-                                      <p:to>
-                                        <p:strVal val="visible"/>
-                                      </p:to>
-                                    </p:set>
-                                  </p:childTnLst>
-                                </p:cTn>
-                              </p:par>
-                              <p:par>
-                                <p:cTn id="21" presetID="1" presetClass="entr" presetSubtype="0" fill="hold" nodeType="withEffect">
-                                  <p:stCondLst>
-                                    <p:cond delay="0"/>
-                                  </p:stCondLst>
-                                  <p:childTnLst>
-                                    <p:set>
-                                      <p:cBhvr>
-                                        <p:cTn id="22" dur="1" fill="hold">
-                                          <p:stCondLst>
-                                            <p:cond delay="0"/>
-                                          </p:stCondLst>
-                                        </p:cTn>
-                                        <p:tgtEl>
-                                          <p:spTgt spid="2">
-                                            <p:txEl>
-                                              <p:pRg st="6" end="6"/>
-                                            </p:txEl>
-                                          </p:spTgt>
-                                        </p:tgtEl>
-                                        <p:attrNameLst>
-                                          <p:attrName>style.visibility</p:attrName>
-                                        </p:attrNameLst>
-                                      </p:cBhvr>
-                                      <p:to>
-                                        <p:strVal val="visible"/>
-                                      </p:to>
-                                    </p:set>
-                                  </p:childTnLst>
-                                </p:cTn>
-                              </p:par>
-                              <p:par>
-                                <p:cTn id="23" presetID="1" presetClass="entr" presetSubtype="0" fill="hold" nodeType="withEffect">
-                                  <p:stCondLst>
-                                    <p:cond delay="0"/>
-                                  </p:stCondLst>
-                                  <p:childTnLst>
-                                    <p:set>
-                                      <p:cBhvr>
-                                        <p:cTn id="24" dur="1" fill="hold">
-                                          <p:stCondLst>
-                                            <p:cond delay="0"/>
-                                          </p:stCondLst>
-                                        </p:cTn>
-                                        <p:tgtEl>
-                                          <p:spTgt spid="2">
-                                            <p:txEl>
-                                              <p:pRg st="7" end="7"/>
-                                            </p:txEl>
-                                          </p:spTgt>
-                                        </p:tgtEl>
-                                        <p:attrNameLst>
-                                          <p:attrName>style.visibility</p:attrName>
-                                        </p:attrNameLst>
-                                      </p:cBhvr>
-                                      <p:to>
-                                        <p:strVal val="visible"/>
-                                      </p:to>
-                                    </p:set>
-                                  </p:childTnLst>
-                                </p:cTn>
-                              </p:par>
-                            </p:childTnLst>
-                          </p:cTn>
-                        </p:par>
-                      </p:childTnLst>
-                    </p:cTn>
-                  </p:par>
-                </p:childTnLst>
-              </p:cTn>
-              <p:prevCondLst>
-                <p:cond evt="onPrev" delay="0">
-                  <p:tgtEl>
-                    <p:sldTgt/>
-                  </p:tgtEl>
-                </p:cond>
-              </p:prevCondLst>
-              <p:nextCondLst>
-                <p:cond evt="onNext" delay="0">
-                  <p:tgtEl>
-                    <p:sldTgt/>
-                  </p:tgtEl>
-                </p:cond>
-              </p:nextCondLst>
-            </p:seq>
-          </p:childTnLst>
-        </p:cTn>
-      </p:par>
-    </p:tnLst>
-  </p:timing>
-</p:sld>
-</file>
-
-<file path=ppt/slides/slide4.xml><?xml version="1.0" encoding="utf-8"?>
-<p:sld xmlns:a="http://schemas.openxmlformats.org/drawingml/2006/main" xmlns:r="http://schemas.openxmlformats.org/officeDocument/2006/relationships" xmlns:p="http://schemas.openxmlformats.org/presentationml/2006/main">
-  <p:cSld>
-    <p:spTree>
-      <p:nvGrpSpPr>
-        <p:cNvPr id="1" name=""/>
-        <p:cNvGrpSpPr/>
-        <p:nvPr/>
-      </p:nvGrpSpPr>
-      <p:grpSpPr>
-        <a:xfrm>
-          <a:off x="0" y="0"/>
-          <a:ext cx="0" cy="0"/>
-          <a:chOff x="0" y="0"/>
-          <a:chExt cx="0" cy="0"/>
-        </a:xfrm>
-      </p:grpSpPr>
-      <p:sp>
-        <p:nvSpPr>
-          <p:cNvPr id="3" name="Content Placeholder 2">
-            <a:extLst>
-              <a:ext uri="{FF2B5EF4-FFF2-40B4-BE49-F238E27FC236}">
-                <a16:creationId xmlns:a16="http://schemas.microsoft.com/office/drawing/2014/main" id="{C0F59F81-224E-B779-4D35-B0CC752936FF}"/>
-              </a:ext>
-            </a:extLst>
-          </p:cNvPr>
-          <p:cNvSpPr>
-            <a:spLocks noGrp="1"/>
-          </p:cNvSpPr>
-          <p:nvPr>
-            <p:ph idx="1"/>
-          </p:nvPr>
-        </p:nvSpPr>
-        <p:spPr>
-          <a:xfrm>
-            <a:off x="409833" y="456276"/>
-            <a:ext cx="6015351" cy="6106158"/>
-          </a:xfrm>
-          <a:noFill/>
-        </p:spPr>
-        <p:txBody>
-          <a:bodyPr wrap="square" anchor="ctr" anchorCtr="0"/>
-          <a:lstStyle/>
-          <a:p>
-            <a:pPr marL="0" indent="0" algn="ctr">
-              <a:buNone/>
-            </a:pPr>
-            <a:r>
-              <a:rPr lang="en-US" sz="5400" dirty="0"/>
-              <a:t>“Poorly designed indexes and a lack of indexes are primary sources of database application bottlenecks”</a:t>
-            </a:r>
-          </a:p>
-          <a:p>
-            <a:pPr marL="0" indent="0" algn="ctr">
-              <a:buNone/>
-            </a:pPr>
-            <a:r>
-              <a:rPr lang="en-US" sz="3200" dirty="0">
-                <a:hlinkClick r:id="rId3"/>
-              </a:rPr>
-              <a:t>learn.microsoft.com 5/19/2025</a:t>
-            </a:r>
-            <a:endParaRPr lang="en-US" sz="3200" dirty="0"/>
-          </a:p>
-        </p:txBody>
-      </p:sp>
-      <p:sp>
-        <p:nvSpPr>
-          <p:cNvPr id="2" name="Title 1">
-            <a:extLst>
-              <a:ext uri="{FF2B5EF4-FFF2-40B4-BE49-F238E27FC236}">
-                <a16:creationId xmlns:a16="http://schemas.microsoft.com/office/drawing/2014/main" id="{06FD6BE4-8227-83DB-E12E-7F19FEB4E580}"/>
-              </a:ext>
-            </a:extLst>
-          </p:cNvPr>
-          <p:cNvSpPr>
-            <a:spLocks noGrp="1"/>
-          </p:cNvSpPr>
-          <p:nvPr>
-            <p:ph type="title"/>
-          </p:nvPr>
-        </p:nvSpPr>
-        <p:spPr/>
-        <p:txBody>
-          <a:bodyPr/>
-          <a:lstStyle/>
-          <a:p>
-            <a:pPr lvl="0"/>
-            <a:r>
-              <a:rPr lang="en-US" dirty="0"/>
-              <a:t>Why are we here?</a:t>
-            </a:r>
-          </a:p>
-        </p:txBody>
-      </p:sp>
-      <p:pic>
-        <p:nvPicPr>
-          <p:cNvPr id="16390" name="Picture 6" descr="children's age, 8 to 9 year old children in lower grades, facial expression communication concept, elementary school students, mischievous, humor concept, girl woman - wonder amazement stock pictures, royalty-free photos &amp; images">
-            <a:extLst>
-              <a:ext uri="{FF2B5EF4-FFF2-40B4-BE49-F238E27FC236}">
-                <a16:creationId xmlns:a16="http://schemas.microsoft.com/office/drawing/2014/main" id="{6CEE6F93-AE24-E764-1465-2652BB3705A5}"/>
-              </a:ext>
-            </a:extLst>
-          </p:cNvPr>
-          <p:cNvPicPr>
-            <a:picLocks noChangeAspect="1" noChangeArrowheads="1"/>
-          </p:cNvPicPr>
-          <p:nvPr/>
-        </p:nvPicPr>
-        <p:blipFill>
-          <a:blip r:embed="rId4">
-            <a:extLst>
-              <a:ext uri="{28A0092B-C50C-407E-A947-70E740481C1C}">
-                <a14:useLocalDpi xmlns:a14="http://schemas.microsoft.com/office/drawing/2010/main" val="0"/>
-              </a:ext>
-            </a:extLst>
-          </a:blip>
-          <a:stretch>
-            <a:fillRect/>
-          </a:stretch>
-        </p:blipFill>
-        <p:spPr bwMode="auto">
-          <a:xfrm>
-            <a:off x="7266432" y="722376"/>
-            <a:ext cx="3547872" cy="5321808"/>
-          </a:xfrm>
-          <a:prstGeom prst="rect">
-            <a:avLst/>
-          </a:prstGeom>
-          <a:solidFill>
-            <a:srgbClr val="FFFFFF">
-              <a:shade val="85000"/>
-            </a:srgbClr>
-          </a:solidFill>
-          <a:ln w="190500" cap="rnd">
-            <a:solidFill>
-              <a:srgbClr val="FFFFFF"/>
-            </a:solidFill>
-          </a:ln>
-          <a:effectLst>
-            <a:outerShdw blurRad="50800" dist="38100" algn="l" rotWithShape="0">
-              <a:prstClr val="black">
-                <a:alpha val="40000"/>
-              </a:prstClr>
-            </a:outerShdw>
-          </a:effectLst>
-          <a:scene3d>
-            <a:camera prst="perspectiveContrastingLeftFacing">
-              <a:rot lat="20939999" lon="2100000" rev="20699999"/>
-            </a:camera>
-            <a:lightRig rig="soft" dir="t"/>
-          </a:scene3d>
-          <a:sp3d contourW="12700" prstMaterial="matte">
-            <a:bevelT w="63500" h="50800"/>
-            <a:contourClr>
-              <a:srgbClr val="C0C0C0"/>
-            </a:contourClr>
-          </a:sp3d>
-        </p:spPr>
-      </p:pic>
-    </p:spTree>
-    <p:extLst>
-      <p:ext uri="{BB962C8B-B14F-4D97-AF65-F5344CB8AC3E}">
-        <p14:creationId xmlns:p14="http://schemas.microsoft.com/office/powerpoint/2010/main" val="3037773480"/>
-      </p:ext>
-    </p:extLst>
-  </p:cSld>
-  <p:clrMapOvr>
-    <a:masterClrMapping/>
-  </p:clrMapOvr>
-  <mc:AlternateContent xmlns:mc="http://schemas.openxmlformats.org/markup-compatibility/2006" xmlns:p14="http://schemas.microsoft.com/office/powerpoint/2010/main">
-    <mc:Choice Requires="p14">
-      <p:transition p14:dur="100"/>
-    </mc:Choice>
-    <mc:Fallback xmlns="">
-      <p:transition/>
-    </mc:Fallback>
-  </mc:AlternateContent>
-</p:sld>
-</file>
-
-<file path=ppt/slides/slide40.xml><?xml version="1.0" encoding="utf-8"?>
-<p:sld xmlns:a="http://schemas.openxmlformats.org/drawingml/2006/main" xmlns:r="http://schemas.openxmlformats.org/officeDocument/2006/relationships" xmlns:p="http://schemas.openxmlformats.org/presentationml/2006/main">
-  <p:cSld>
-    <p:spTree>
-      <p:nvGrpSpPr>
         <p:cNvPr id="1" name=""/>
         <p:cNvGrpSpPr/>
         <p:nvPr/>
@@ -27651,7 +27720,7 @@
         </p:blipFill>
         <p:spPr bwMode="auto">
           <a:xfrm>
-            <a:off x="6315456" y="2478024"/>
+            <a:off x="6571488" y="3099816"/>
             <a:ext cx="5567172" cy="3696602"/>
           </a:xfrm>
           <a:prstGeom prst="roundRect">
@@ -28252,7 +28321,188 @@
 </p:sld>
 </file>
 
-<file path=ppt/slides/slide41.xml><?xml version="1.0" encoding="utf-8"?>
+<file path=ppt/slides/slide4.xml><?xml version="1.0" encoding="utf-8"?>
+<p:sld xmlns:a="http://schemas.openxmlformats.org/drawingml/2006/main" xmlns:r="http://schemas.openxmlformats.org/officeDocument/2006/relationships" xmlns:p="http://schemas.openxmlformats.org/presentationml/2006/main">
+  <p:cSld>
+    <p:spTree>
+      <p:nvGrpSpPr>
+        <p:cNvPr id="1" name=""/>
+        <p:cNvGrpSpPr/>
+        <p:nvPr/>
+      </p:nvGrpSpPr>
+      <p:grpSpPr>
+        <a:xfrm>
+          <a:off x="0" y="0"/>
+          <a:ext cx="0" cy="0"/>
+          <a:chOff x="0" y="0"/>
+          <a:chExt cx="0" cy="0"/>
+        </a:xfrm>
+      </p:grpSpPr>
+      <p:sp>
+        <p:nvSpPr>
+          <p:cNvPr id="3" name="Content Placeholder 2">
+            <a:extLst>
+              <a:ext uri="{FF2B5EF4-FFF2-40B4-BE49-F238E27FC236}">
+                <a16:creationId xmlns:a16="http://schemas.microsoft.com/office/drawing/2014/main" id="{C0F59F81-224E-B779-4D35-B0CC752936FF}"/>
+              </a:ext>
+            </a:extLst>
+          </p:cNvPr>
+          <p:cNvSpPr>
+            <a:spLocks noGrp="1"/>
+          </p:cNvSpPr>
+          <p:nvPr>
+            <p:ph idx="1"/>
+          </p:nvPr>
+        </p:nvSpPr>
+        <p:spPr>
+          <a:xfrm>
+            <a:off x="409833" y="456276"/>
+            <a:ext cx="6015351" cy="6106158"/>
+          </a:xfrm>
+          <a:noFill/>
+        </p:spPr>
+        <p:txBody>
+          <a:bodyPr wrap="square" anchor="ctr" anchorCtr="0"/>
+          <a:lstStyle/>
+          <a:p>
+            <a:pPr marL="0" indent="0" algn="ctr">
+              <a:buNone/>
+            </a:pPr>
+            <a:r>
+              <a:rPr lang="en-US" sz="5400" dirty="0"/>
+              <a:t>“Poorly designed indexes and a lack of indexes are primary sources of database application bottlenecks”</a:t>
+            </a:r>
+          </a:p>
+          <a:p>
+            <a:pPr marL="0" indent="0" algn="ctr">
+              <a:buNone/>
+            </a:pPr>
+            <a:r>
+              <a:rPr lang="en-US" sz="3200" dirty="0">
+                <a:hlinkClick r:id="rId3"/>
+              </a:rPr>
+              <a:t>learn.microsoft.com 5/19/2025</a:t>
+            </a:r>
+            <a:endParaRPr lang="en-US" sz="3200" dirty="0"/>
+          </a:p>
+        </p:txBody>
+      </p:sp>
+      <p:sp>
+        <p:nvSpPr>
+          <p:cNvPr id="2" name="Title 1">
+            <a:extLst>
+              <a:ext uri="{FF2B5EF4-FFF2-40B4-BE49-F238E27FC236}">
+                <a16:creationId xmlns:a16="http://schemas.microsoft.com/office/drawing/2014/main" id="{06FD6BE4-8227-83DB-E12E-7F19FEB4E580}"/>
+              </a:ext>
+            </a:extLst>
+          </p:cNvPr>
+          <p:cNvSpPr>
+            <a:spLocks noGrp="1"/>
+          </p:cNvSpPr>
+          <p:nvPr>
+            <p:ph type="title"/>
+          </p:nvPr>
+        </p:nvSpPr>
+        <p:spPr/>
+        <p:txBody>
+          <a:bodyPr/>
+          <a:lstStyle/>
+          <a:p>
+            <a:pPr lvl="0"/>
+            <a:r>
+              <a:rPr lang="en-US" dirty="0"/>
+              <a:t>Why are we here?</a:t>
+            </a:r>
+          </a:p>
+        </p:txBody>
+      </p:sp>
+      <p:pic>
+        <p:nvPicPr>
+          <p:cNvPr id="16390" name="Picture 6" descr="children's age, 8 to 9 year old children in lower grades, facial expression communication concept, elementary school students, mischievous, humor concept, girl woman - wonder amazement stock pictures, royalty-free photos &amp; images">
+            <a:extLst>
+              <a:ext uri="{FF2B5EF4-FFF2-40B4-BE49-F238E27FC236}">
+                <a16:creationId xmlns:a16="http://schemas.microsoft.com/office/drawing/2014/main" id="{6CEE6F93-AE24-E764-1465-2652BB3705A5}"/>
+              </a:ext>
+            </a:extLst>
+          </p:cNvPr>
+          <p:cNvPicPr>
+            <a:picLocks noChangeAspect="1" noChangeArrowheads="1"/>
+          </p:cNvPicPr>
+          <p:nvPr/>
+        </p:nvPicPr>
+        <p:blipFill>
+          <a:blip r:embed="rId4">
+            <a:extLst>
+              <a:ext uri="{28A0092B-C50C-407E-A947-70E740481C1C}">
+                <a14:useLocalDpi xmlns:a14="http://schemas.microsoft.com/office/drawing/2010/main" val="0"/>
+              </a:ext>
+            </a:extLst>
+          </a:blip>
+          <a:stretch>
+            <a:fillRect/>
+          </a:stretch>
+        </p:blipFill>
+        <p:spPr bwMode="auto">
+          <a:xfrm>
+            <a:off x="7266432" y="722376"/>
+            <a:ext cx="3547872" cy="5321808"/>
+          </a:xfrm>
+          <a:prstGeom prst="rect">
+            <a:avLst/>
+          </a:prstGeom>
+          <a:solidFill>
+            <a:srgbClr val="FFFFFF">
+              <a:shade val="85000"/>
+            </a:srgbClr>
+          </a:solidFill>
+          <a:ln w="190500" cap="rnd">
+            <a:solidFill>
+              <a:srgbClr val="FFFFFF"/>
+            </a:solidFill>
+          </a:ln>
+          <a:effectLst>
+            <a:outerShdw blurRad="50800" dist="38100" algn="l" rotWithShape="0">
+              <a:prstClr val="black">
+                <a:alpha val="40000"/>
+              </a:prstClr>
+            </a:outerShdw>
+          </a:effectLst>
+          <a:scene3d>
+            <a:camera prst="perspectiveContrastingLeftFacing">
+              <a:rot lat="20939999" lon="2100000" rev="20699999"/>
+            </a:camera>
+            <a:lightRig rig="soft" dir="t"/>
+          </a:scene3d>
+          <a:sp3d contourW="12700" prstMaterial="matte">
+            <a:bevelT w="63500" h="50800"/>
+            <a:contourClr>
+              <a:srgbClr val="C0C0C0"/>
+            </a:contourClr>
+          </a:sp3d>
+        </p:spPr>
+      </p:pic>
+    </p:spTree>
+    <p:extLst>
+      <p:ext uri="{BB962C8B-B14F-4D97-AF65-F5344CB8AC3E}">
+        <p14:creationId xmlns:p14="http://schemas.microsoft.com/office/powerpoint/2010/main" val="3037773480"/>
+      </p:ext>
+    </p:extLst>
+  </p:cSld>
+  <p:clrMapOvr>
+    <a:masterClrMapping/>
+  </p:clrMapOvr>
+  <mc:AlternateContent xmlns:mc="http://schemas.openxmlformats.org/markup-compatibility/2006" xmlns:p14="http://schemas.microsoft.com/office/powerpoint/2010/main">
+    <mc:Choice Requires="p14">
+      <p:transition p14:dur="100"/>
+    </mc:Choice>
+    <mc:Fallback xmlns="">
+      <p:transition/>
+    </mc:Fallback>
+  </mc:AlternateContent>
+</p:sld>
+</file>
+
+<file path=ppt/slides/slide40.xml><?xml version="1.0" encoding="utf-8"?>
 <p:sld xmlns:a="http://schemas.openxmlformats.org/drawingml/2006/main" xmlns:r="http://schemas.openxmlformats.org/officeDocument/2006/relationships" xmlns:p="http://schemas.openxmlformats.org/presentationml/2006/main">
   <p:cSld>
     <p:spTree>
@@ -28955,7 +29205,7 @@
 </p:sld>
 </file>
 
-<file path=ppt/slides/slide42.xml><?xml version="1.0" encoding="utf-8"?>
+<file path=ppt/slides/slide41.xml><?xml version="1.0" encoding="utf-8"?>
 <p:sld xmlns:a="http://schemas.openxmlformats.org/drawingml/2006/main" xmlns:r="http://schemas.openxmlformats.org/officeDocument/2006/relationships" xmlns:p="http://schemas.openxmlformats.org/presentationml/2006/main">
   <p:cSld>
     <p:spTree>
@@ -29077,7 +29327,7 @@
 </p:sld>
 </file>
 
-<file path=ppt/slides/slide43.xml><?xml version="1.0" encoding="utf-8"?>
+<file path=ppt/slides/slide42.xml><?xml version="1.0" encoding="utf-8"?>
 <p:sld xmlns:a="http://schemas.openxmlformats.org/drawingml/2006/main" xmlns:r="http://schemas.openxmlformats.org/officeDocument/2006/relationships" xmlns:p="http://schemas.openxmlformats.org/presentationml/2006/main">
   <p:cSld>
     <p:spTree>
@@ -29400,7 +29650,7 @@
 </p:sld>
 </file>
 
-<file path=ppt/slides/slide44.xml><?xml version="1.0" encoding="utf-8"?>
+<file path=ppt/slides/slide43.xml><?xml version="1.0" encoding="utf-8"?>
 <p:sld xmlns:a="http://schemas.openxmlformats.org/drawingml/2006/main" xmlns:r="http://schemas.openxmlformats.org/officeDocument/2006/relationships" xmlns:p="http://schemas.openxmlformats.org/presentationml/2006/main">
   <p:cSld>
     <p:spTree>
@@ -29476,7 +29726,7 @@
 </p:sld>
 </file>
 
-<file path=ppt/slides/slide45.xml><?xml version="1.0" encoding="utf-8"?>
+<file path=ppt/slides/slide44.xml><?xml version="1.0" encoding="utf-8"?>
 <p:sld xmlns:a="http://schemas.openxmlformats.org/drawingml/2006/main" xmlns:r="http://schemas.openxmlformats.org/officeDocument/2006/relationships" xmlns:p="http://schemas.openxmlformats.org/presentationml/2006/main">
   <p:cSld>
     <p:spTree>
@@ -30553,7 +30803,7 @@
           <a:p>
             <a:r>
               <a:rPr lang="en-US" dirty="0"/>
-              <a:t>Client Story - A quick check-up revealed …</a:t>
+              <a:t>Client Story – Some quick digging revealed …</a:t>
             </a:r>
           </a:p>
         </p:txBody>

--- a/SQLXL_Index SQL Saturday South Florida 2025.pptx
+++ b/SQLXL_Index SQL Saturday South Florida 2025.pptx
@@ -270,7 +270,7 @@
           <a:p>
             <a:fld id="{2456FE53-F494-43F8-93B4-12CD0913CA08}" type="datetimeFigureOut">
               <a:rPr lang="en-US" smtClean="0"/>
-              <a:t>7/16/2025</a:t>
+              <a:t>7/18/2025</a:t>
             </a:fld>
             <a:endParaRPr lang="en-US"/>
           </a:p>
@@ -6757,7 +6757,7 @@
           <a:p>
             <a:fld id="{950BEB1D-5343-4916-A563-E57E2C2B5CDA}" type="datetimeFigureOut">
               <a:rPr lang="en-US" smtClean="0"/>
-              <a:t>7/16/2025</a:t>
+              <a:t>7/18/2025</a:t>
             </a:fld>
             <a:endParaRPr lang="en-US" dirty="0"/>
           </a:p>
@@ -7559,6 +7559,53 @@
           <a:xfrm>
             <a:off x="3752473" y="1614"/>
             <a:ext cx="4246400" cy="2388600"/>
+          </a:xfrm>
+          <a:prstGeom prst="rect">
+            <a:avLst/>
+          </a:prstGeom>
+          <a:noFill/>
+          <a:extLst>
+            <a:ext uri="{909E8E84-426E-40DD-AFC4-6F175D3DCCD1}">
+              <a14:hiddenFill xmlns:a14="http://schemas.microsoft.com/office/drawing/2010/main">
+                <a:solidFill>
+                  <a:srgbClr val="FFFFFF"/>
+                </a:solidFill>
+              </a14:hiddenFill>
+            </a:ext>
+          </a:extLst>
+        </p:spPr>
+      </p:pic>
+      <p:pic>
+        <p:nvPicPr>
+          <p:cNvPr id="4" name="Picture 2" descr="SQL Saturday South Florida 2025">
+            <a:extLst>
+              <a:ext uri="{FF2B5EF4-FFF2-40B4-BE49-F238E27FC236}">
+                <a16:creationId xmlns:a16="http://schemas.microsoft.com/office/drawing/2014/main" id="{8F96882F-5D7C-F211-A78A-801FFE9DC83D}"/>
+              </a:ext>
+            </a:extLst>
+          </p:cNvPr>
+          <p:cNvPicPr>
+            <a:picLocks noChangeAspect="1" noChangeArrowheads="1"/>
+          </p:cNvPicPr>
+          <p:nvPr/>
+        </p:nvPicPr>
+        <p:blipFill>
+          <a:blip r:embed="rId7">
+            <a:extLst>
+              <a:ext uri="{28A0092B-C50C-407E-A947-70E740481C1C}">
+                <a14:useLocalDpi xmlns:a14="http://schemas.microsoft.com/office/drawing/2010/main" val="0"/>
+              </a:ext>
+            </a:extLst>
+          </a:blip>
+          <a:srcRect/>
+          <a:stretch>
+            <a:fillRect/>
+          </a:stretch>
+        </p:blipFill>
+        <p:spPr bwMode="auto">
+          <a:xfrm>
+            <a:off x="-560832" y="-13044"/>
+            <a:ext cx="4777196" cy="2388598"/>
           </a:xfrm>
           <a:prstGeom prst="rect">
             <a:avLst/>
@@ -14371,21 +14418,13 @@
             <a:pPr lvl="2"/>
             <a:r>
               <a:rPr lang="en-US" dirty="0"/>
-              <a:t>Hurt weightings – can </a:t>
-            </a:r>
-            <a:r>
-              <a:rPr lang="en-US"/>
-              <a:t>be modified </a:t>
-            </a:r>
-            <a:r>
-              <a:rPr lang="en-US" dirty="0"/>
-              <a:t>for your specific environment</a:t>
-            </a:r>
-          </a:p>
-          <a:p>
-            <a:r>
-              <a:rPr lang="en-US" dirty="0"/>
-              <a:t>Import data to spreadsheet &amp; format</a:t>
+              <a:t>Hurt weightings – can be modified for your specific environment</a:t>
+            </a:r>
+          </a:p>
+          <a:p>
+            <a:r>
+              <a:rPr lang="en-US" dirty="0"/>
+              <a:t>Direct data import to spreadsheet &amp; format</a:t>
             </a:r>
           </a:p>
           <a:p>
@@ -14399,7 +14438,7 @@
             <a:pPr lvl="1"/>
             <a:r>
               <a:rPr lang="en-US" dirty="0"/>
-              <a:t>“Get File Data” button for Jump Box &amp; export/import into Excel</a:t>
+              <a:t>“Get File Data” button for Jump Box &amp; export/import text file into Excel</a:t>
             </a:r>
           </a:p>
           <a:p>
@@ -16075,6 +16114,53 @@
           </a:p>
         </p:txBody>
       </p:sp>
+      <p:pic>
+        <p:nvPicPr>
+          <p:cNvPr id="4" name="Picture 2" descr="SQL Saturday South Florida 2025">
+            <a:extLst>
+              <a:ext uri="{FF2B5EF4-FFF2-40B4-BE49-F238E27FC236}">
+                <a16:creationId xmlns:a16="http://schemas.microsoft.com/office/drawing/2014/main" id="{ACBF3671-ED0F-824E-D558-F54D4FD80AA7}"/>
+              </a:ext>
+            </a:extLst>
+          </p:cNvPr>
+          <p:cNvPicPr>
+            <a:picLocks noChangeAspect="1" noChangeArrowheads="1"/>
+          </p:cNvPicPr>
+          <p:nvPr/>
+        </p:nvPicPr>
+        <p:blipFill>
+          <a:blip r:embed="rId3">
+            <a:extLst>
+              <a:ext uri="{28A0092B-C50C-407E-A947-70E740481C1C}">
+                <a14:useLocalDpi xmlns:a14="http://schemas.microsoft.com/office/drawing/2010/main" val="0"/>
+              </a:ext>
+            </a:extLst>
+          </a:blip>
+          <a:srcRect/>
+          <a:stretch>
+            <a:fillRect/>
+          </a:stretch>
+        </p:blipFill>
+        <p:spPr bwMode="auto">
+          <a:xfrm>
+            <a:off x="3238499" y="2000250"/>
+            <a:ext cx="5715000" cy="2857500"/>
+          </a:xfrm>
+          <a:prstGeom prst="rect">
+            <a:avLst/>
+          </a:prstGeom>
+          <a:noFill/>
+          <a:extLst>
+            <a:ext uri="{909E8E84-426E-40DD-AFC4-6F175D3DCCD1}">
+              <a14:hiddenFill xmlns:a14="http://schemas.microsoft.com/office/drawing/2010/main">
+                <a:solidFill>
+                  <a:srgbClr val="FFFFFF"/>
+                </a:solidFill>
+              </a14:hiddenFill>
+            </a:ext>
+          </a:extLst>
+        </p:spPr>
+      </p:pic>
     </p:spTree>
     <p:extLst>
       <p:ext uri="{BB962C8B-B14F-4D97-AF65-F5344CB8AC3E}">
@@ -16685,14 +16771,35 @@
             <a:pPr lvl="2"/>
             <a:r>
               <a:rPr lang="en-US" dirty="0"/>
-              <a:t>e.g. unique index </a:t>
+              <a:t>Examples:</a:t>
+            </a:r>
+          </a:p>
+          <a:p>
+            <a:pPr lvl="3"/>
+            <a:r>
+              <a:rPr lang="en-US" dirty="0"/>
+              <a:t>unique index supporting a </a:t>
             </a:r>
             <a:br>
               <a:rPr lang="en-US" dirty="0"/>
             </a:br>
             <a:r>
               <a:rPr lang="en-US" dirty="0"/>
-              <a:t>supporting full-text</a:t>
+              <a:t>full-text index</a:t>
+            </a:r>
+          </a:p>
+          <a:p>
+            <a:pPr lvl="3"/>
+            <a:r>
+              <a:rPr lang="en-US" dirty="0"/>
+              <a:t>Index covering foreign key </a:t>
+            </a:r>
+            <a:br>
+              <a:rPr lang="en-US" dirty="0"/>
+            </a:br>
+            <a:r>
+              <a:rPr lang="en-US" dirty="0"/>
+              <a:t>constraint</a:t>
             </a:r>
           </a:p>
         </p:txBody>
@@ -16849,8 +16956,8 @@
         </p:blipFill>
         <p:spPr bwMode="auto">
           <a:xfrm>
-            <a:off x="6315456" y="3355848"/>
-            <a:ext cx="5753523" cy="3372225"/>
+            <a:off x="7522464" y="3246120"/>
+            <a:ext cx="4546515" cy="3481953"/>
           </a:xfrm>
           <a:prstGeom prst="rect">
             <a:avLst/>
@@ -17230,15 +17337,33 @@
                                   </p:childTnLst>
                                 </p:cTn>
                               </p:par>
+                            </p:childTnLst>
+                          </p:cTn>
+                        </p:par>
+                      </p:childTnLst>
+                    </p:cTn>
+                  </p:par>
+                  <p:par>
+                    <p:cTn id="31" fill="hold">
+                      <p:stCondLst>
+                        <p:cond delay="indefinite"/>
+                      </p:stCondLst>
+                      <p:childTnLst>
+                        <p:par>
+                          <p:cTn id="32" fill="hold">
+                            <p:stCondLst>
+                              <p:cond delay="0"/>
+                            </p:stCondLst>
+                            <p:childTnLst>
                               <p:par>
-                                <p:cTn id="31" presetID="1" presetClass="entr" presetSubtype="0" fill="hold" nodeType="withEffect">
+                                <p:cTn id="33" presetID="1" presetClass="entr" presetSubtype="0" fill="hold" nodeType="clickEffect">
                                   <p:stCondLst>
                                     <p:cond delay="0"/>
                                   </p:stCondLst>
                                   <p:childTnLst>
                                     <p:set>
                                       <p:cBhvr>
-                                        <p:cTn id="32" dur="1" fill="hold">
+                                        <p:cTn id="34" dur="1" fill="hold">
                                           <p:stCondLst>
                                             <p:cond delay="0"/>
                                           </p:stCondLst>
@@ -17247,6 +17372,86 @@
                                           <p:spTgt spid="7">
                                             <p:txEl>
                                               <p:pRg st="7" end="7"/>
+                                            </p:txEl>
+                                          </p:spTgt>
+                                        </p:tgtEl>
+                                        <p:attrNameLst>
+                                          <p:attrName>style.visibility</p:attrName>
+                                        </p:attrNameLst>
+                                      </p:cBhvr>
+                                      <p:to>
+                                        <p:strVal val="visible"/>
+                                      </p:to>
+                                    </p:set>
+                                  </p:childTnLst>
+                                </p:cTn>
+                              </p:par>
+                              <p:par>
+                                <p:cTn id="35" presetID="1" presetClass="entr" presetSubtype="0" fill="hold" nodeType="withEffect">
+                                  <p:stCondLst>
+                                    <p:cond delay="0"/>
+                                  </p:stCondLst>
+                                  <p:childTnLst>
+                                    <p:set>
+                                      <p:cBhvr>
+                                        <p:cTn id="36" dur="1" fill="hold">
+                                          <p:stCondLst>
+                                            <p:cond delay="0"/>
+                                          </p:stCondLst>
+                                        </p:cTn>
+                                        <p:tgtEl>
+                                          <p:spTgt spid="7">
+                                            <p:txEl>
+                                              <p:pRg st="8" end="8"/>
+                                            </p:txEl>
+                                          </p:spTgt>
+                                        </p:tgtEl>
+                                        <p:attrNameLst>
+                                          <p:attrName>style.visibility</p:attrName>
+                                        </p:attrNameLst>
+                                      </p:cBhvr>
+                                      <p:to>
+                                        <p:strVal val="visible"/>
+                                      </p:to>
+                                    </p:set>
+                                  </p:childTnLst>
+                                </p:cTn>
+                              </p:par>
+                            </p:childTnLst>
+                          </p:cTn>
+                        </p:par>
+                      </p:childTnLst>
+                    </p:cTn>
+                  </p:par>
+                  <p:par>
+                    <p:cTn id="37" fill="hold">
+                      <p:stCondLst>
+                        <p:cond delay="indefinite"/>
+                      </p:stCondLst>
+                      <p:childTnLst>
+                        <p:par>
+                          <p:cTn id="38" fill="hold">
+                            <p:stCondLst>
+                              <p:cond delay="0"/>
+                            </p:stCondLst>
+                            <p:childTnLst>
+                              <p:par>
+                                <p:cTn id="39" presetID="1" presetClass="entr" presetSubtype="0" fill="hold" nodeType="clickEffect">
+                                  <p:stCondLst>
+                                    <p:cond delay="0"/>
+                                  </p:stCondLst>
+                                  <p:childTnLst>
+                                    <p:set>
+                                      <p:cBhvr>
+                                        <p:cTn id="40" dur="1" fill="hold">
+                                          <p:stCondLst>
+                                            <p:cond delay="0"/>
+                                          </p:stCondLst>
+                                        </p:cTn>
+                                        <p:tgtEl>
+                                          <p:spTgt spid="7">
+                                            <p:txEl>
+                                              <p:pRg st="9" end="9"/>
                                             </p:txEl>
                                           </p:spTgt>
                                         </p:tgtEl>
@@ -21502,7 +21707,7 @@
             <a:pPr lvl="1"/>
             <a:r>
               <a:rPr lang="en-US" dirty="0"/>
-              <a:t>delta stores (update, delete)</a:t>
+              <a:t>delta stores (insert/update, delete)</a:t>
             </a:r>
           </a:p>
           <a:p>
@@ -23590,6 +23795,53 @@
           </a:p>
         </p:txBody>
       </p:sp>
+      <p:pic>
+        <p:nvPicPr>
+          <p:cNvPr id="1026" name="Picture 2" descr="SQL Saturday South Florida 2025">
+            <a:extLst>
+              <a:ext uri="{FF2B5EF4-FFF2-40B4-BE49-F238E27FC236}">
+                <a16:creationId xmlns:a16="http://schemas.microsoft.com/office/drawing/2014/main" id="{2B3FF256-733E-6C1A-F5B4-0AC029473542}"/>
+              </a:ext>
+            </a:extLst>
+          </p:cNvPr>
+          <p:cNvPicPr>
+            <a:picLocks noChangeAspect="1" noChangeArrowheads="1"/>
+          </p:cNvPicPr>
+          <p:nvPr/>
+        </p:nvPicPr>
+        <p:blipFill>
+          <a:blip r:embed="rId3">
+            <a:extLst>
+              <a:ext uri="{28A0092B-C50C-407E-A947-70E740481C1C}">
+                <a14:useLocalDpi xmlns:a14="http://schemas.microsoft.com/office/drawing/2010/main" val="0"/>
+              </a:ext>
+            </a:extLst>
+          </a:blip>
+          <a:srcRect/>
+          <a:stretch>
+            <a:fillRect/>
+          </a:stretch>
+        </p:blipFill>
+        <p:spPr bwMode="auto">
+          <a:xfrm>
+            <a:off x="3238499" y="2000250"/>
+            <a:ext cx="5715000" cy="2857500"/>
+          </a:xfrm>
+          <a:prstGeom prst="rect">
+            <a:avLst/>
+          </a:prstGeom>
+          <a:noFill/>
+          <a:extLst>
+            <a:ext uri="{909E8E84-426E-40DD-AFC4-6F175D3DCCD1}">
+              <a14:hiddenFill xmlns:a14="http://schemas.microsoft.com/office/drawing/2010/main">
+                <a:solidFill>
+                  <a:srgbClr val="FFFFFF"/>
+                </a:solidFill>
+              </a14:hiddenFill>
+            </a:ext>
+          </a:extLst>
+        </p:spPr>
+      </p:pic>
     </p:spTree>
     <p:extLst>
       <p:ext uri="{BB962C8B-B14F-4D97-AF65-F5344CB8AC3E}">
@@ -26150,28 +26402,13 @@
             <a:pPr lvl="1"/>
             <a:r>
               <a:rPr lang="en-US" dirty="0"/>
-              <a:t>Uncovered foreign keys </a:t>
-            </a:r>
-          </a:p>
-          <a:p>
-            <a:pPr lvl="2"/>
-            <a:r>
-              <a:rPr lang="en-US" dirty="0"/>
-              <a:t>with missing index recommendations</a:t>
-            </a:r>
-          </a:p>
-          <a:p>
-            <a:r>
-              <a:rPr lang="en-US" dirty="0"/>
-              <a:t>Link to Brent </a:t>
-            </a:r>
-            <a:r>
-              <a:rPr lang="en-US" dirty="0" err="1"/>
-              <a:t>Ozar’s</a:t>
-            </a:r>
-            <a:r>
-              <a:rPr lang="en-US" dirty="0"/>
-              <a:t> 58 </a:t>
+              <a:t>Uncovered foreign keys with missing indexes</a:t>
+            </a:r>
+          </a:p>
+          <a:p>
+            <a:r>
+              <a:rPr lang="en-US" dirty="0"/>
+              <a:t>Link to Brent Ozar’s 58 </a:t>
             </a:r>
             <a:r>
               <a:rPr lang="en-US" dirty="0" err="1"/>
@@ -26181,6 +26418,17 @@
               <a:rPr lang="en-US" dirty="0"/>
               <a:t> “Checks”</a:t>
             </a:r>
+          </a:p>
+          <a:p>
+            <a:r>
+              <a:rPr lang="en-US" dirty="0"/>
+              <a:t>&lt;Soon&gt; reference Erik Darling’s </a:t>
+            </a:r>
+            <a:r>
+              <a:rPr lang="en-US" dirty="0" err="1"/>
+              <a:t>sp_IndexCleanup</a:t>
+            </a:r>
+            <a:endParaRPr lang="en-US" dirty="0"/>
           </a:p>
         </p:txBody>
       </p:sp>
@@ -26742,15 +26990,33 @@
                                   </p:childTnLst>
                                 </p:cTn>
                               </p:par>
+                            </p:childTnLst>
+                          </p:cTn>
+                        </p:par>
+                      </p:childTnLst>
+                    </p:cTn>
+                  </p:par>
+                  <p:par>
+                    <p:cTn id="37" fill="hold">
+                      <p:stCondLst>
+                        <p:cond delay="indefinite"/>
+                      </p:stCondLst>
+                      <p:childTnLst>
+                        <p:par>
+                          <p:cTn id="38" fill="hold">
+                            <p:stCondLst>
+                              <p:cond delay="0"/>
+                            </p:stCondLst>
+                            <p:childTnLst>
                               <p:par>
-                                <p:cTn id="37" presetID="1" presetClass="entr" presetSubtype="0" fill="hold" grpId="0" nodeType="withEffect">
+                                <p:cTn id="39" presetID="1" presetClass="entr" presetSubtype="0" fill="hold" grpId="0" nodeType="clickEffect">
                                   <p:stCondLst>
                                     <p:cond delay="0"/>
                                   </p:stCondLst>
                                   <p:childTnLst>
                                     <p:set>
                                       <p:cBhvr>
-                                        <p:cTn id="38" dur="1" fill="hold">
+                                        <p:cTn id="40" dur="1" fill="hold">
                                           <p:stCondLst>
                                             <p:cond delay="0"/>
                                           </p:stCondLst>
@@ -26780,26 +27046,26 @@
                     </p:cTn>
                   </p:par>
                   <p:par>
-                    <p:cTn id="39" fill="hold">
+                    <p:cTn id="41" fill="hold">
                       <p:stCondLst>
                         <p:cond delay="indefinite"/>
                       </p:stCondLst>
                       <p:childTnLst>
                         <p:par>
-                          <p:cTn id="40" fill="hold">
+                          <p:cTn id="42" fill="hold">
                             <p:stCondLst>
                               <p:cond delay="0"/>
                             </p:stCondLst>
                             <p:childTnLst>
                               <p:par>
-                                <p:cTn id="41" presetID="1" presetClass="entr" presetSubtype="0" fill="hold" grpId="0" nodeType="clickEffect">
+                                <p:cTn id="43" presetID="1" presetClass="entr" presetSubtype="0" fill="hold" grpId="0" nodeType="clickEffect">
                                   <p:stCondLst>
                                     <p:cond delay="0"/>
                                   </p:stCondLst>
                                   <p:childTnLst>
                                     <p:set>
                                       <p:cBhvr>
-                                        <p:cTn id="42" dur="1" fill="hold">
+                                        <p:cTn id="44" dur="1" fill="hold">
                                           <p:stCondLst>
                                             <p:cond delay="0"/>
                                           </p:stCondLst>
@@ -26939,6 +27205,53 @@
           </a:p>
         </p:txBody>
       </p:sp>
+      <p:pic>
+        <p:nvPicPr>
+          <p:cNvPr id="4" name="Picture 2" descr="SQL Saturday South Florida 2025">
+            <a:extLst>
+              <a:ext uri="{FF2B5EF4-FFF2-40B4-BE49-F238E27FC236}">
+                <a16:creationId xmlns:a16="http://schemas.microsoft.com/office/drawing/2014/main" id="{52A3F559-EEE9-62E4-803A-6FC352E0B00E}"/>
+              </a:ext>
+            </a:extLst>
+          </p:cNvPr>
+          <p:cNvPicPr>
+            <a:picLocks noChangeAspect="1" noChangeArrowheads="1"/>
+          </p:cNvPicPr>
+          <p:nvPr/>
+        </p:nvPicPr>
+        <p:blipFill>
+          <a:blip r:embed="rId3">
+            <a:extLst>
+              <a:ext uri="{28A0092B-C50C-407E-A947-70E740481C1C}">
+                <a14:useLocalDpi xmlns:a14="http://schemas.microsoft.com/office/drawing/2010/main" val="0"/>
+              </a:ext>
+            </a:extLst>
+          </a:blip>
+          <a:srcRect/>
+          <a:stretch>
+            <a:fillRect/>
+          </a:stretch>
+        </p:blipFill>
+        <p:spPr bwMode="auto">
+          <a:xfrm>
+            <a:off x="3238499" y="2000250"/>
+            <a:ext cx="5715000" cy="2857500"/>
+          </a:xfrm>
+          <a:prstGeom prst="rect">
+            <a:avLst/>
+          </a:prstGeom>
+          <a:noFill/>
+          <a:extLst>
+            <a:ext uri="{909E8E84-426E-40DD-AFC4-6F175D3DCCD1}">
+              <a14:hiddenFill xmlns:a14="http://schemas.microsoft.com/office/drawing/2010/main">
+                <a:solidFill>
+                  <a:srgbClr val="FFFFFF"/>
+                </a:solidFill>
+              </a14:hiddenFill>
+            </a:ext>
+          </a:extLst>
+        </p:spPr>
+      </p:pic>
     </p:spTree>
     <p:extLst>
       <p:ext uri="{BB962C8B-B14F-4D97-AF65-F5344CB8AC3E}">
@@ -27532,6 +27845,53 @@
           </a:p>
         </p:txBody>
       </p:sp>
+      <p:pic>
+        <p:nvPicPr>
+          <p:cNvPr id="4" name="Picture 2" descr="SQL Saturday South Florida 2025">
+            <a:extLst>
+              <a:ext uri="{FF2B5EF4-FFF2-40B4-BE49-F238E27FC236}">
+                <a16:creationId xmlns:a16="http://schemas.microsoft.com/office/drawing/2014/main" id="{30929414-EF0F-1D69-6DFA-A7F300E87F80}"/>
+              </a:ext>
+            </a:extLst>
+          </p:cNvPr>
+          <p:cNvPicPr>
+            <a:picLocks noChangeAspect="1" noChangeArrowheads="1"/>
+          </p:cNvPicPr>
+          <p:nvPr/>
+        </p:nvPicPr>
+        <p:blipFill>
+          <a:blip r:embed="rId3">
+            <a:extLst>
+              <a:ext uri="{28A0092B-C50C-407E-A947-70E740481C1C}">
+                <a14:useLocalDpi xmlns:a14="http://schemas.microsoft.com/office/drawing/2010/main" val="0"/>
+              </a:ext>
+            </a:extLst>
+          </a:blip>
+          <a:srcRect/>
+          <a:stretch>
+            <a:fillRect/>
+          </a:stretch>
+        </p:blipFill>
+        <p:spPr bwMode="auto">
+          <a:xfrm>
+            <a:off x="3238499" y="2000250"/>
+            <a:ext cx="5715000" cy="2857500"/>
+          </a:xfrm>
+          <a:prstGeom prst="rect">
+            <a:avLst/>
+          </a:prstGeom>
+          <a:noFill/>
+          <a:extLst>
+            <a:ext uri="{909E8E84-426E-40DD-AFC4-6F175D3DCCD1}">
+              <a14:hiddenFill xmlns:a14="http://schemas.microsoft.com/office/drawing/2010/main">
+                <a:solidFill>
+                  <a:srgbClr val="FFFFFF"/>
+                </a:solidFill>
+              </a14:hiddenFill>
+            </a:ext>
+          </a:extLst>
+        </p:spPr>
+      </p:pic>
     </p:spTree>
     <p:extLst>
       <p:ext uri="{BB962C8B-B14F-4D97-AF65-F5344CB8AC3E}">
@@ -29705,6 +30065,53 @@
           </a:p>
         </p:txBody>
       </p:sp>
+      <p:pic>
+        <p:nvPicPr>
+          <p:cNvPr id="2" name="Picture 2" descr="SQL Saturday South Florida 2025">
+            <a:extLst>
+              <a:ext uri="{FF2B5EF4-FFF2-40B4-BE49-F238E27FC236}">
+                <a16:creationId xmlns:a16="http://schemas.microsoft.com/office/drawing/2014/main" id="{A8B146BF-672F-397F-D9E8-A9C972ECC8CE}"/>
+              </a:ext>
+            </a:extLst>
+          </p:cNvPr>
+          <p:cNvPicPr>
+            <a:picLocks noChangeAspect="1" noChangeArrowheads="1"/>
+          </p:cNvPicPr>
+          <p:nvPr/>
+        </p:nvPicPr>
+        <p:blipFill>
+          <a:blip r:embed="rId3">
+            <a:extLst>
+              <a:ext uri="{28A0092B-C50C-407E-A947-70E740481C1C}">
+                <a14:useLocalDpi xmlns:a14="http://schemas.microsoft.com/office/drawing/2010/main" val="0"/>
+              </a:ext>
+            </a:extLst>
+          </a:blip>
+          <a:srcRect/>
+          <a:stretch>
+            <a:fillRect/>
+          </a:stretch>
+        </p:blipFill>
+        <p:spPr bwMode="auto">
+          <a:xfrm>
+            <a:off x="3238499" y="2000250"/>
+            <a:ext cx="5715000" cy="2857500"/>
+          </a:xfrm>
+          <a:prstGeom prst="rect">
+            <a:avLst/>
+          </a:prstGeom>
+          <a:noFill/>
+          <a:extLst>
+            <a:ext uri="{909E8E84-426E-40DD-AFC4-6F175D3DCCD1}">
+              <a14:hiddenFill xmlns:a14="http://schemas.microsoft.com/office/drawing/2010/main">
+                <a:solidFill>
+                  <a:srgbClr val="FFFFFF"/>
+                </a:solidFill>
+              </a14:hiddenFill>
+            </a:ext>
+          </a:extLst>
+        </p:spPr>
+      </p:pic>
     </p:spTree>
     <p:extLst>
       <p:ext uri="{BB962C8B-B14F-4D97-AF65-F5344CB8AC3E}">
@@ -30755,7 +31162,21 @@
           <a:p>
             <a:r>
               <a:rPr lang="en-US" dirty="0"/>
-              <a:t>SQL Enterprise Edition – online index maintenance!</a:t>
+              <a:t>SQL 2016 Enterprise Edition</a:t>
+            </a:r>
+          </a:p>
+          <a:p>
+            <a:pPr lvl="1"/>
+            <a:r>
+              <a:rPr lang="en-US" dirty="0"/>
+              <a:t>Online index maintenance!</a:t>
+            </a:r>
+          </a:p>
+          <a:p>
+            <a:pPr lvl="1"/>
+            <a:r>
+              <a:rPr lang="en-US" dirty="0"/>
+              <a:t>Updatable nonclustered columnstore indexes!</a:t>
             </a:r>
           </a:p>
           <a:p>
@@ -31257,7 +31678,105 @@
                                         <p:tgtEl>
                                           <p:spTgt spid="2">
                                             <p:txEl>
+                                              <p:pRg st="8" end="8"/>
+                                            </p:txEl>
+                                          </p:spTgt>
+                                        </p:tgtEl>
+                                        <p:attrNameLst>
+                                          <p:attrName>style.visibility</p:attrName>
+                                        </p:attrNameLst>
+                                      </p:cBhvr>
+                                      <p:to>
+                                        <p:strVal val="visible"/>
+                                      </p:to>
+                                    </p:set>
+                                  </p:childTnLst>
+                                </p:cTn>
+                              </p:par>
+                            </p:childTnLst>
+                          </p:cTn>
+                        </p:par>
+                      </p:childTnLst>
+                    </p:cTn>
+                  </p:par>
+                  <p:par>
+                    <p:cTn id="39" fill="hold">
+                      <p:stCondLst>
+                        <p:cond delay="indefinite"/>
+                      </p:stCondLst>
+                      <p:childTnLst>
+                        <p:par>
+                          <p:cTn id="40" fill="hold">
+                            <p:stCondLst>
+                              <p:cond delay="0"/>
+                            </p:stCondLst>
+                            <p:childTnLst>
+                              <p:par>
+                                <p:cTn id="41" presetID="1" presetClass="entr" presetSubtype="0" fill="hold" nodeType="clickEffect">
+                                  <p:stCondLst>
+                                    <p:cond delay="0"/>
+                                  </p:stCondLst>
+                                  <p:childTnLst>
+                                    <p:set>
+                                      <p:cBhvr>
+                                        <p:cTn id="42" dur="1" fill="hold">
+                                          <p:stCondLst>
+                                            <p:cond delay="0"/>
+                                          </p:stCondLst>
+                                        </p:cTn>
+                                        <p:tgtEl>
+                                          <p:spTgt spid="2">
+                                            <p:txEl>
                                               <p:pRg st="9" end="9"/>
+                                            </p:txEl>
+                                          </p:spTgt>
+                                        </p:tgtEl>
+                                        <p:attrNameLst>
+                                          <p:attrName>style.visibility</p:attrName>
+                                        </p:attrNameLst>
+                                      </p:cBhvr>
+                                      <p:to>
+                                        <p:strVal val="visible"/>
+                                      </p:to>
+                                    </p:set>
+                                  </p:childTnLst>
+                                </p:cTn>
+                              </p:par>
+                            </p:childTnLst>
+                          </p:cTn>
+                        </p:par>
+                      </p:childTnLst>
+                    </p:cTn>
+                  </p:par>
+                  <p:par>
+                    <p:cTn id="43" fill="hold">
+                      <p:stCondLst>
+                        <p:cond delay="indefinite"/>
+                      </p:stCondLst>
+                      <p:childTnLst>
+                        <p:par>
+                          <p:cTn id="44" fill="hold">
+                            <p:stCondLst>
+                              <p:cond delay="0"/>
+                            </p:stCondLst>
+                            <p:childTnLst>
+                              <p:par>
+                                <p:cTn id="45" presetID="1" presetClass="entr" presetSubtype="0" fill="hold" nodeType="clickEffect">
+                                  <p:stCondLst>
+                                    <p:cond delay="0"/>
+                                  </p:stCondLst>
+                                  <p:childTnLst>
+                                    <p:set>
+                                      <p:cBhvr>
+                                        <p:cTn id="46" dur="1" fill="hold">
+                                          <p:stCondLst>
+                                            <p:cond delay="0"/>
+                                          </p:stCondLst>
+                                        </p:cTn>
+                                        <p:tgtEl>
+                                          <p:spTgt spid="2">
+                                            <p:txEl>
+                                              <p:pRg st="11" end="11"/>
                                             </p:txEl>
                                           </p:spTgt>
                                         </p:tgtEl>
@@ -31476,9 +31995,6 @@
                     <p:cTn id="3" fill="hold">
                       <p:stCondLst>
                         <p:cond delay="indefinite"/>
-                        <p:cond evt="onBegin" delay="0">
-                          <p:tn val="2"/>
-                        </p:cond>
                       </p:stCondLst>
                       <p:childTnLst>
                         <p:par>
@@ -31488,7 +32004,7 @@
                             </p:stCondLst>
                             <p:childTnLst>
                               <p:par>
-                                <p:cTn id="5" presetID="1" presetClass="entr" presetSubtype="0" fill="hold" nodeType="withEffect">
+                                <p:cTn id="5" presetID="1" presetClass="entr" presetSubtype="0" fill="hold" nodeType="clickEffect">
                                   <p:stCondLst>
                                     <p:cond delay="0"/>
                                   </p:stCondLst>
